--- a/resources/IT - Suit Database.pptx
+++ b/resources/IT - Suit Database.pptx
@@ -7,17 +7,18 @@
   </p:sldMasterIdLst>
   <p:sldIdLst>
     <p:sldId id="257" r:id="rId3"/>
-    <p:sldId id="258" r:id="rId4"/>
+    <p:sldId id="270" r:id="rId4"/>
     <p:sldId id="267" r:id="rId5"/>
     <p:sldId id="259" r:id="rId6"/>
     <p:sldId id="260" r:id="rId7"/>
-    <p:sldId id="261" r:id="rId8"/>
+    <p:sldId id="271" r:id="rId8"/>
     <p:sldId id="262" r:id="rId9"/>
-    <p:sldId id="263" r:id="rId10"/>
-    <p:sldId id="264" r:id="rId11"/>
+    <p:sldId id="272" r:id="rId10"/>
+    <p:sldId id="273" r:id="rId11"/>
     <p:sldId id="265" r:id="rId12"/>
-    <p:sldId id="268" r:id="rId13"/>
-    <p:sldId id="269" r:id="rId14"/>
+    <p:sldId id="274" r:id="rId13"/>
+    <p:sldId id="268" r:id="rId14"/>
+    <p:sldId id="269" r:id="rId15"/>
   </p:sldIdLst>
   <p:sldSz cx="12192000" cy="6858000"/>
   <p:notesSz cx="6858000" cy="9144000"/>
@@ -266,7 +267,7 @@
           <a:p>
             <a:fld id="{6705913C-D455-491B-A56E-B276DCE62E7A}" type="datetimeFigureOut">
               <a:rPr lang="it-IT" smtClean="0"/>
-              <a:t>04/03/2019</a:t>
+              <a:t>02/04/2019</a:t>
             </a:fld>
             <a:endParaRPr lang="it-IT"/>
           </a:p>
@@ -436,7 +437,7 @@
           <a:p>
             <a:fld id="{6705913C-D455-491B-A56E-B276DCE62E7A}" type="datetimeFigureOut">
               <a:rPr lang="it-IT" smtClean="0"/>
-              <a:t>04/03/2019</a:t>
+              <a:t>02/04/2019</a:t>
             </a:fld>
             <a:endParaRPr lang="it-IT"/>
           </a:p>
@@ -616,7 +617,7 @@
           <a:p>
             <a:fld id="{6705913C-D455-491B-A56E-B276DCE62E7A}" type="datetimeFigureOut">
               <a:rPr lang="it-IT" smtClean="0"/>
-              <a:t>04/03/2019</a:t>
+              <a:t>02/04/2019</a:t>
             </a:fld>
             <a:endParaRPr lang="it-IT"/>
           </a:p>
@@ -846,7 +847,7 @@
           <a:p>
             <a:fld id="{6705913C-D455-491B-A56E-B276DCE62E7A}" type="datetimeFigureOut">
               <a:rPr lang="it-IT" smtClean="0"/>
-              <a:t>04/03/2019</a:t>
+              <a:t>02/04/2019</a:t>
             </a:fld>
             <a:endParaRPr lang="it-IT"/>
           </a:p>
@@ -1171,7 +1172,7 @@
           <a:p>
             <a:fld id="{6705913C-D455-491B-A56E-B276DCE62E7A}" type="datetimeFigureOut">
               <a:rPr lang="it-IT" smtClean="0"/>
-              <a:t>04/03/2019</a:t>
+              <a:t>02/04/2019</a:t>
             </a:fld>
             <a:endParaRPr lang="it-IT"/>
           </a:p>
@@ -1448,7 +1449,7 @@
           <a:p>
             <a:fld id="{6705913C-D455-491B-A56E-B276DCE62E7A}" type="datetimeFigureOut">
               <a:rPr lang="it-IT" smtClean="0"/>
-              <a:t>04/03/2019</a:t>
+              <a:t>02/04/2019</a:t>
             </a:fld>
             <a:endParaRPr lang="it-IT"/>
           </a:p>
@@ -1842,7 +1843,7 @@
           <a:p>
             <a:fld id="{6705913C-D455-491B-A56E-B276DCE62E7A}" type="datetimeFigureOut">
               <a:rPr lang="it-IT" smtClean="0"/>
-              <a:t>04/03/2019</a:t>
+              <a:t>02/04/2019</a:t>
             </a:fld>
             <a:endParaRPr lang="it-IT"/>
           </a:p>
@@ -2319,7 +2320,7 @@
           <a:p>
             <a:fld id="{6705913C-D455-491B-A56E-B276DCE62E7A}" type="datetimeFigureOut">
               <a:rPr lang="it-IT" smtClean="0"/>
-              <a:t>04/03/2019</a:t>
+              <a:t>02/04/2019</a:t>
             </a:fld>
             <a:endParaRPr lang="it-IT"/>
           </a:p>
@@ -2437,7 +2438,7 @@
           <a:p>
             <a:fld id="{6705913C-D455-491B-A56E-B276DCE62E7A}" type="datetimeFigureOut">
               <a:rPr lang="it-IT" smtClean="0"/>
-              <a:t>04/03/2019</a:t>
+              <a:t>02/04/2019</a:t>
             </a:fld>
             <a:endParaRPr lang="it-IT"/>
           </a:p>
@@ -2532,7 +2533,7 @@
           <a:p>
             <a:fld id="{6705913C-D455-491B-A56E-B276DCE62E7A}" type="datetimeFigureOut">
               <a:rPr lang="it-IT" smtClean="0"/>
-              <a:t>04/03/2019</a:t>
+              <a:t>02/04/2019</a:t>
             </a:fld>
             <a:endParaRPr lang="it-IT"/>
           </a:p>
@@ -2878,7 +2879,7 @@
           <a:p>
             <a:fld id="{6705913C-D455-491B-A56E-B276DCE62E7A}" type="datetimeFigureOut">
               <a:rPr lang="it-IT" smtClean="0"/>
-              <a:t>04/03/2019</a:t>
+              <a:t>02/04/2019</a:t>
             </a:fld>
             <a:endParaRPr lang="it-IT"/>
           </a:p>
@@ -3112,7 +3113,7 @@
           <a:p>
             <a:fld id="{6705913C-D455-491B-A56E-B276DCE62E7A}" type="datetimeFigureOut">
               <a:rPr lang="it-IT" smtClean="0"/>
-              <a:t>04/03/2019</a:t>
+              <a:t>02/04/2019</a:t>
             </a:fld>
             <a:endParaRPr lang="it-IT"/>
           </a:p>
@@ -3436,7 +3437,7 @@
           <a:p>
             <a:fld id="{6705913C-D455-491B-A56E-B276DCE62E7A}" type="datetimeFigureOut">
               <a:rPr lang="it-IT" smtClean="0"/>
-              <a:t>04/03/2019</a:t>
+              <a:t>02/04/2019</a:t>
             </a:fld>
             <a:endParaRPr lang="it-IT"/>
           </a:p>
@@ -3675,7 +3676,7 @@
           <a:p>
             <a:fld id="{6705913C-D455-491B-A56E-B276DCE62E7A}" type="datetimeFigureOut">
               <a:rPr lang="it-IT" smtClean="0"/>
-              <a:t>04/03/2019</a:t>
+              <a:t>02/04/2019</a:t>
             </a:fld>
             <a:endParaRPr lang="it-IT"/>
           </a:p>
@@ -3855,7 +3856,7 @@
           <a:p>
             <a:fld id="{6705913C-D455-491B-A56E-B276DCE62E7A}" type="datetimeFigureOut">
               <a:rPr lang="it-IT" smtClean="0"/>
-              <a:t>04/03/2019</a:t>
+              <a:t>02/04/2019</a:t>
             </a:fld>
             <a:endParaRPr lang="it-IT"/>
           </a:p>
@@ -4106,7 +4107,7 @@
           <a:p>
             <a:fld id="{6705913C-D455-491B-A56E-B276DCE62E7A}" type="datetimeFigureOut">
               <a:rPr lang="it-IT" smtClean="0"/>
-              <a:t>04/03/2019</a:t>
+              <a:t>02/04/2019</a:t>
             </a:fld>
             <a:endParaRPr lang="it-IT"/>
           </a:p>
@@ -4338,7 +4339,7 @@
           <a:p>
             <a:fld id="{6705913C-D455-491B-A56E-B276DCE62E7A}" type="datetimeFigureOut">
               <a:rPr lang="it-IT" smtClean="0"/>
-              <a:t>04/03/2019</a:t>
+              <a:t>02/04/2019</a:t>
             </a:fld>
             <a:endParaRPr lang="it-IT"/>
           </a:p>
@@ -4685,7 +4686,7 @@
           <a:p>
             <a:fld id="{6705913C-D455-491B-A56E-B276DCE62E7A}" type="datetimeFigureOut">
               <a:rPr lang="it-IT" smtClean="0"/>
-              <a:t>04/03/2019</a:t>
+              <a:t>02/04/2019</a:t>
             </a:fld>
             <a:endParaRPr lang="it-IT"/>
           </a:p>
@@ -4803,7 +4804,7 @@
           <a:p>
             <a:fld id="{6705913C-D455-491B-A56E-B276DCE62E7A}" type="datetimeFigureOut">
               <a:rPr lang="it-IT" smtClean="0"/>
-              <a:t>04/03/2019</a:t>
+              <a:t>02/04/2019</a:t>
             </a:fld>
             <a:endParaRPr lang="it-IT"/>
           </a:p>
@@ -4921,7 +4922,7 @@
           <a:p>
             <a:fld id="{6705913C-D455-491B-A56E-B276DCE62E7A}" type="datetimeFigureOut">
               <a:rPr lang="it-IT" smtClean="0"/>
-              <a:t>04/03/2019</a:t>
+              <a:t>02/04/2019</a:t>
             </a:fld>
             <a:endParaRPr lang="it-IT"/>
           </a:p>
@@ -5205,7 +5206,7 @@
           <a:p>
             <a:fld id="{6705913C-D455-491B-A56E-B276DCE62E7A}" type="datetimeFigureOut">
               <a:rPr lang="it-IT" smtClean="0"/>
-              <a:t>04/03/2019</a:t>
+              <a:t>02/04/2019</a:t>
             </a:fld>
             <a:endParaRPr lang="it-IT"/>
           </a:p>
@@ -5469,7 +5470,7 @@
           <a:p>
             <a:fld id="{6705913C-D455-491B-A56E-B276DCE62E7A}" type="datetimeFigureOut">
               <a:rPr lang="it-IT" smtClean="0"/>
-              <a:t>04/03/2019</a:t>
+              <a:t>02/04/2019</a:t>
             </a:fld>
             <a:endParaRPr lang="it-IT"/>
           </a:p>
@@ -5683,7 +5684,7 @@
           <a:p>
             <a:fld id="{6705913C-D455-491B-A56E-B276DCE62E7A}" type="datetimeFigureOut">
               <a:rPr lang="it-IT" smtClean="0"/>
-              <a:t>04/03/2019</a:t>
+              <a:t>02/04/2019</a:t>
             </a:fld>
             <a:endParaRPr lang="it-IT"/>
           </a:p>
@@ -6213,7 +6214,7 @@
           <a:p>
             <a:fld id="{6705913C-D455-491B-A56E-B276DCE62E7A}" type="datetimeFigureOut">
               <a:rPr lang="it-IT" smtClean="0"/>
-              <a:t>04/03/2019</a:t>
+              <a:t>02/04/2019</a:t>
             </a:fld>
             <a:endParaRPr lang="it-IT"/>
           </a:p>
@@ -6711,6 +6712,14 @@
 <file path=ppt/slides/slide1.xml><?xml version="1.0" encoding="utf-8"?>
 <p:sld xmlns:a="http://schemas.openxmlformats.org/drawingml/2006/main" xmlns:r="http://schemas.openxmlformats.org/officeDocument/2006/relationships" xmlns:p="http://schemas.openxmlformats.org/presentationml/2006/main">
   <p:cSld>
+    <p:bg>
+      <p:bgPr>
+        <a:solidFill>
+          <a:srgbClr val="EFEDE3"/>
+        </a:solidFill>
+        <a:effectLst/>
+      </p:bgPr>
+    </p:bg>
     <p:spTree>
       <p:nvGrpSpPr>
         <p:cNvPr id="1" name=""/>
@@ -6725,100 +6734,17 @@
           <a:chExt cx="0" cy="0"/>
         </a:xfrm>
       </p:grpSpPr>
-      <p:sp>
-        <p:nvSpPr>
-          <p:cNvPr id="2" name="Titolo 1"/>
-          <p:cNvSpPr>
-            <a:spLocks noGrp="1"/>
-          </p:cNvSpPr>
-          <p:nvPr>
-            <p:ph type="ctrTitle"/>
-          </p:nvPr>
-        </p:nvSpPr>
-        <p:spPr>
-          <a:xfrm>
-            <a:off x="1467729" y="1040005"/>
-            <a:ext cx="9144000" cy="2307138"/>
-          </a:xfrm>
-        </p:spPr>
-        <p:txBody>
-          <a:bodyPr>
-            <a:normAutofit/>
-          </a:bodyPr>
-          <a:lstStyle/>
-          <a:p>
-            <a:r>
-              <a:rPr lang="it-IT" dirty="0" smtClean="0">
-                <a:solidFill>
-                  <a:srgbClr val="4F4D46"/>
-                </a:solidFill>
-                <a:latin typeface="Town 40 Stencil" panose="00000500000000000000" pitchFamily="2" charset="0"/>
-                <a:cs typeface="Calibri" panose="020F0502020204030204" pitchFamily="34" charset="0"/>
-              </a:rPr>
-              <a:t>Suit</a:t>
-            </a:r>
-            <a:r>
-              <a:rPr lang="it-IT" dirty="0" smtClean="0">
-                <a:solidFill>
-                  <a:srgbClr val="4F4D46"/>
-                </a:solidFill>
-                <a:latin typeface="Town 40 Stencil" panose="00000500000000000000" pitchFamily="2" charset="0"/>
-              </a:rPr>
-              <a:t/>
-            </a:r>
-            <a:br>
-              <a:rPr lang="it-IT" dirty="0" smtClean="0">
-                <a:solidFill>
-                  <a:srgbClr val="4F4D46"/>
-                </a:solidFill>
-                <a:latin typeface="Town 40 Stencil" panose="00000500000000000000" pitchFamily="2" charset="0"/>
-              </a:rPr>
-            </a:br>
-            <a:r>
-              <a:rPr lang="it-IT" sz="4400" dirty="0" smtClean="0">
-                <a:solidFill>
-                  <a:srgbClr val="4F4D46"/>
-                </a:solidFill>
-                <a:latin typeface="Avenir LT Std 35 Light" panose="020B0402020203020204" pitchFamily="34" charset="0"/>
-              </a:rPr>
-              <a:t>Alternanza scuola-lavoro 2018/2019</a:t>
-            </a:r>
-            <a:endParaRPr lang="it-IT" sz="4400" dirty="0">
-              <a:solidFill>
-                <a:srgbClr val="4F4D46"/>
-              </a:solidFill>
-              <a:latin typeface="Avenir LT Std 35 Light" panose="020B0402020203020204" pitchFamily="34" charset="0"/>
-            </a:endParaRPr>
-          </a:p>
-        </p:txBody>
-      </p:sp>
       <p:pic>
         <p:nvPicPr>
-          <p:cNvPr id="5" name="Immagine 4"/>
+          <p:cNvPr id="4" name="Immagine 3"/>
           <p:cNvPicPr>
             <a:picLocks noChangeAspect="1"/>
           </p:cNvPicPr>
           <p:nvPr/>
         </p:nvPicPr>
         <p:blipFill>
-          <a:blip r:embed="rId2" cstate="print">
-            <a:duotone>
-              <a:schemeClr val="accent1">
-                <a:shade val="45000"/>
-                <a:satMod val="135000"/>
-              </a:schemeClr>
-              <a:prstClr val="white"/>
-            </a:duotone>
+          <a:blip r:embed="rId2">
             <a:extLst>
-              <a:ext uri="{BEBA8EAE-BF5A-486C-A8C5-ECC9F3942E4B}">
-                <a14:imgProps xmlns:a14="http://schemas.microsoft.com/office/drawing/2010/main">
-                  <a14:imgLayer r:embed="rId3">
-                    <a14:imgEffect>
-                      <a14:brightnessContrast bright="-98000" contrast="-1000"/>
-                    </a14:imgEffect>
-                  </a14:imgLayer>
-                </a14:imgProps>
-              </a:ext>
               <a:ext uri="{28A0092B-C50C-407E-A947-70E740481C1C}">
                 <a14:useLocalDpi xmlns:a14="http://schemas.microsoft.com/office/drawing/2010/main" val="0"/>
               </a:ext>
@@ -6830,15 +6756,198 @@
         </p:blipFill>
         <p:spPr>
           <a:xfrm>
-            <a:off x="4721469" y="3262735"/>
-            <a:ext cx="2636520" cy="2636520"/>
+            <a:off x="3795840" y="4642662"/>
+            <a:ext cx="1521904" cy="1894487"/>
           </a:xfrm>
           <a:prstGeom prst="rect">
             <a:avLst/>
           </a:prstGeom>
-          <a:noFill/>
         </p:spPr>
       </p:pic>
+      <p:pic>
+        <p:nvPicPr>
+          <p:cNvPr id="6" name="Immagine 5"/>
+          <p:cNvPicPr>
+            <a:picLocks noChangeAspect="1"/>
+          </p:cNvPicPr>
+          <p:nvPr/>
+        </p:nvPicPr>
+        <p:blipFill>
+          <a:blip r:embed="rId3">
+            <a:extLst>
+              <a:ext uri="{28A0092B-C50C-407E-A947-70E740481C1C}">
+                <a14:useLocalDpi xmlns:a14="http://schemas.microsoft.com/office/drawing/2010/main" val="0"/>
+              </a:ext>
+            </a:extLst>
+          </a:blip>
+          <a:stretch>
+            <a:fillRect/>
+          </a:stretch>
+        </p:blipFill>
+        <p:spPr>
+          <a:xfrm>
+            <a:off x="6568975" y="4811583"/>
+            <a:ext cx="2475644" cy="1079604"/>
+          </a:xfrm>
+          <a:prstGeom prst="rect">
+            <a:avLst/>
+          </a:prstGeom>
+          <a:ln>
+            <a:noFill/>
+          </a:ln>
+          <a:effectLst>
+            <a:outerShdw blurRad="50800" dist="50800" dir="5400000" algn="ctr" rotWithShape="0">
+              <a:srgbClr val="000000">
+                <a:alpha val="0"/>
+              </a:srgbClr>
+            </a:outerShdw>
+          </a:effectLst>
+        </p:spPr>
+      </p:pic>
+      <p:grpSp>
+        <p:nvGrpSpPr>
+          <p:cNvPr id="7" name="Gruppo 6"/>
+          <p:cNvGrpSpPr/>
+          <p:nvPr/>
+        </p:nvGrpSpPr>
+        <p:grpSpPr>
+          <a:xfrm>
+            <a:off x="2629056" y="1747587"/>
+            <a:ext cx="6933889" cy="2646878"/>
+            <a:chOff x="2752371" y="1852089"/>
+            <a:chExt cx="6933889" cy="2646878"/>
+          </a:xfrm>
+        </p:grpSpPr>
+        <p:sp>
+          <p:nvSpPr>
+            <p:cNvPr id="8" name="CasellaDiTesto 7"/>
+            <p:cNvSpPr txBox="1"/>
+            <p:nvPr/>
+          </p:nvSpPr>
+          <p:spPr>
+            <a:xfrm>
+              <a:off x="2752371" y="1852089"/>
+              <a:ext cx="4862228" cy="2646878"/>
+            </a:xfrm>
+            <a:prstGeom prst="rect">
+              <a:avLst/>
+            </a:prstGeom>
+            <a:noFill/>
+          </p:spPr>
+          <p:txBody>
+            <a:bodyPr wrap="none" rtlCol="0">
+              <a:spAutoFit/>
+            </a:bodyPr>
+            <a:lstStyle/>
+            <a:p>
+              <a:r>
+                <a:rPr lang="it-IT" sz="16600" dirty="0" smtClean="0">
+                  <a:solidFill>
+                    <a:srgbClr val="696A64"/>
+                  </a:solidFill>
+                  <a:latin typeface="Town 40 Stencil Medium" panose="00000600000000000000" pitchFamily="2" charset="0"/>
+                </a:rPr>
+                <a:t>SUIT</a:t>
+              </a:r>
+              <a:endParaRPr lang="it-IT" sz="16600" dirty="0">
+                <a:solidFill>
+                  <a:srgbClr val="696A64"/>
+                </a:solidFill>
+                <a:latin typeface="Town 40 Stencil Medium" panose="00000600000000000000" pitchFamily="2" charset="0"/>
+              </a:endParaRPr>
+            </a:p>
+          </p:txBody>
+        </p:sp>
+        <p:pic>
+          <p:nvPicPr>
+            <p:cNvPr id="9" name="Immagine 8"/>
+            <p:cNvPicPr>
+              <a:picLocks noChangeAspect="1"/>
+            </p:cNvPicPr>
+            <p:nvPr/>
+          </p:nvPicPr>
+          <p:blipFill>
+            <a:blip r:embed="rId4" cstate="print">
+              <a:duotone>
+                <a:schemeClr val="accent3">
+                  <a:shade val="45000"/>
+                  <a:satMod val="135000"/>
+                </a:schemeClr>
+                <a:prstClr val="white"/>
+              </a:duotone>
+              <a:extLst>
+                <a:ext uri="{28A0092B-C50C-407E-A947-70E740481C1C}">
+                  <a14:useLocalDpi xmlns:a14="http://schemas.microsoft.com/office/drawing/2010/main" val="0"/>
+                </a:ext>
+              </a:extLst>
+            </a:blip>
+            <a:stretch>
+              <a:fillRect/>
+            </a:stretch>
+          </p:blipFill>
+          <p:spPr>
+            <a:xfrm>
+              <a:off x="7614599" y="2143453"/>
+              <a:ext cx="2071661" cy="2071661"/>
+            </a:xfrm>
+            <a:prstGeom prst="rect">
+              <a:avLst/>
+            </a:prstGeom>
+          </p:spPr>
+        </p:pic>
+      </p:grpSp>
+      <p:sp>
+        <p:nvSpPr>
+          <p:cNvPr id="10" name="Rettangolo 9"/>
+          <p:cNvSpPr/>
+          <p:nvPr/>
+        </p:nvSpPr>
+        <p:spPr>
+          <a:xfrm>
+            <a:off x="0" y="344204"/>
+            <a:ext cx="12192000" cy="1446550"/>
+          </a:xfrm>
+          <a:prstGeom prst="rect">
+            <a:avLst/>
+          </a:prstGeom>
+        </p:spPr>
+        <p:txBody>
+          <a:bodyPr wrap="square">
+            <a:spAutoFit/>
+          </a:bodyPr>
+          <a:lstStyle/>
+          <a:p>
+            <a:pPr algn="ctr"/>
+            <a:r>
+              <a:rPr lang="it-IT" sz="4400" dirty="0" smtClean="0">
+                <a:solidFill>
+                  <a:srgbClr val="4F4D46"/>
+                </a:solidFill>
+                <a:latin typeface="Avenir LT Std 35 Light" panose="020B0402020203020204" pitchFamily="34" charset="0"/>
+              </a:rPr>
+              <a:t>ALTERNANZA SCUOLA-LAVORO </a:t>
+            </a:r>
+            <a:br>
+              <a:rPr lang="it-IT" sz="4400" dirty="0" smtClean="0">
+                <a:solidFill>
+                  <a:srgbClr val="4F4D46"/>
+                </a:solidFill>
+                <a:latin typeface="Avenir LT Std 35 Light" panose="020B0402020203020204" pitchFamily="34" charset="0"/>
+              </a:rPr>
+            </a:br>
+            <a:r>
+              <a:rPr lang="it-IT" sz="4400" dirty="0" smtClean="0">
+                <a:solidFill>
+                  <a:srgbClr val="4F4D46"/>
+                </a:solidFill>
+                <a:latin typeface="Avenir LT Std 35 Light" panose="020B0402020203020204" pitchFamily="34" charset="0"/>
+              </a:rPr>
+              <a:t>2018/2019</a:t>
+            </a:r>
+            <a:endParaRPr lang="it-IT" sz="4400" dirty="0"/>
+          </a:p>
+        </p:txBody>
+      </p:sp>
     </p:spTree>
     <p:extLst>
       <p:ext uri="{BB962C8B-B14F-4D97-AF65-F5344CB8AC3E}">
@@ -6979,214 +7088,6 @@
               <a:t>Il pulsante consente di rimuovere il candidato dall’elenco. Verrà mostrato un messaggio di conferma. Sarà possibile, attraverso i filtri, visualizzare anche i candidati rimossi. </a:t>
             </a:r>
             <a:endParaRPr lang="it-IT" dirty="0">
-              <a:solidFill>
-                <a:srgbClr val="000000"/>
-              </a:solidFill>
-              <a:latin typeface="Avenir LT Std 35 Light" panose="020B0402020203020204" pitchFamily="34" charset="0"/>
-            </a:endParaRPr>
-          </a:p>
-        </p:txBody>
-      </p:sp>
-      <p:sp>
-        <p:nvSpPr>
-          <p:cNvPr id="9" name="Segnaposto contenuto 2"/>
-          <p:cNvSpPr txBox="1">
-            <a:spLocks/>
-          </p:cNvSpPr>
-          <p:nvPr/>
-        </p:nvSpPr>
-        <p:spPr>
-          <a:xfrm>
-            <a:off x="9399908" y="6486123"/>
-            <a:ext cx="2782619" cy="361406"/>
-          </a:xfrm>
-          <a:prstGeom prst="rect">
-            <a:avLst/>
-          </a:prstGeom>
-        </p:spPr>
-        <p:txBody>
-          <a:bodyPr vert="horz" lIns="91440" tIns="45720" rIns="91440" bIns="45720" rtlCol="0">
-            <a:noAutofit/>
-          </a:bodyPr>
-          <a:lstStyle>
-            <a:lvl1pPr marL="228600" indent="-228600" algn="l" defTabSz="914400" rtl="0" eaLnBrk="1" latinLnBrk="0" hangingPunct="1">
-              <a:lnSpc>
-                <a:spcPct val="90000"/>
-              </a:lnSpc>
-              <a:spcBef>
-                <a:spcPts val="1000"/>
-              </a:spcBef>
-              <a:buFont typeface="Arial" panose="020B0604020202020204" pitchFamily="34" charset="0"/>
-              <a:buChar char="•"/>
-              <a:defRPr sz="2800" kern="1200">
-                <a:solidFill>
-                  <a:schemeClr val="tx1"/>
-                </a:solidFill>
-                <a:latin typeface="+mn-lt"/>
-                <a:ea typeface="+mn-ea"/>
-                <a:cs typeface="+mn-cs"/>
-              </a:defRPr>
-            </a:lvl1pPr>
-            <a:lvl2pPr marL="685800" indent="-228600" algn="l" defTabSz="914400" rtl="0" eaLnBrk="1" latinLnBrk="0" hangingPunct="1">
-              <a:lnSpc>
-                <a:spcPct val="90000"/>
-              </a:lnSpc>
-              <a:spcBef>
-                <a:spcPts val="500"/>
-              </a:spcBef>
-              <a:buFont typeface="Arial" panose="020B0604020202020204" pitchFamily="34" charset="0"/>
-              <a:buChar char="•"/>
-              <a:defRPr sz="2400" kern="1200">
-                <a:solidFill>
-                  <a:schemeClr val="tx1"/>
-                </a:solidFill>
-                <a:latin typeface="+mn-lt"/>
-                <a:ea typeface="+mn-ea"/>
-                <a:cs typeface="+mn-cs"/>
-              </a:defRPr>
-            </a:lvl2pPr>
-            <a:lvl3pPr marL="1143000" indent="-228600" algn="l" defTabSz="914400" rtl="0" eaLnBrk="1" latinLnBrk="0" hangingPunct="1">
-              <a:lnSpc>
-                <a:spcPct val="90000"/>
-              </a:lnSpc>
-              <a:spcBef>
-                <a:spcPts val="500"/>
-              </a:spcBef>
-              <a:buFont typeface="Arial" panose="020B0604020202020204" pitchFamily="34" charset="0"/>
-              <a:buChar char="•"/>
-              <a:defRPr sz="2000" kern="1200">
-                <a:solidFill>
-                  <a:schemeClr val="tx1"/>
-                </a:solidFill>
-                <a:latin typeface="+mn-lt"/>
-                <a:ea typeface="+mn-ea"/>
-                <a:cs typeface="+mn-cs"/>
-              </a:defRPr>
-            </a:lvl3pPr>
-            <a:lvl4pPr marL="1600200" indent="-228600" algn="l" defTabSz="914400" rtl="0" eaLnBrk="1" latinLnBrk="0" hangingPunct="1">
-              <a:lnSpc>
-                <a:spcPct val="90000"/>
-              </a:lnSpc>
-              <a:spcBef>
-                <a:spcPts val="500"/>
-              </a:spcBef>
-              <a:buFont typeface="Arial" panose="020B0604020202020204" pitchFamily="34" charset="0"/>
-              <a:buChar char="•"/>
-              <a:defRPr sz="1800" kern="1200">
-                <a:solidFill>
-                  <a:schemeClr val="tx1"/>
-                </a:solidFill>
-                <a:latin typeface="+mn-lt"/>
-                <a:ea typeface="+mn-ea"/>
-                <a:cs typeface="+mn-cs"/>
-              </a:defRPr>
-            </a:lvl4pPr>
-            <a:lvl5pPr marL="2057400" indent="-228600" algn="l" defTabSz="914400" rtl="0" eaLnBrk="1" latinLnBrk="0" hangingPunct="1">
-              <a:lnSpc>
-                <a:spcPct val="90000"/>
-              </a:lnSpc>
-              <a:spcBef>
-                <a:spcPts val="500"/>
-              </a:spcBef>
-              <a:buFont typeface="Arial" panose="020B0604020202020204" pitchFamily="34" charset="0"/>
-              <a:buChar char="•"/>
-              <a:defRPr sz="1800" kern="1200">
-                <a:solidFill>
-                  <a:schemeClr val="tx1"/>
-                </a:solidFill>
-                <a:latin typeface="+mn-lt"/>
-                <a:ea typeface="+mn-ea"/>
-                <a:cs typeface="+mn-cs"/>
-              </a:defRPr>
-            </a:lvl5pPr>
-            <a:lvl6pPr marL="2514600" indent="-228600" algn="l" defTabSz="914400" rtl="0" eaLnBrk="1" latinLnBrk="0" hangingPunct="1">
-              <a:lnSpc>
-                <a:spcPct val="90000"/>
-              </a:lnSpc>
-              <a:spcBef>
-                <a:spcPts val="500"/>
-              </a:spcBef>
-              <a:buFont typeface="Arial" panose="020B0604020202020204" pitchFamily="34" charset="0"/>
-              <a:buChar char="•"/>
-              <a:defRPr sz="1800" kern="1200">
-                <a:solidFill>
-                  <a:schemeClr val="tx1"/>
-                </a:solidFill>
-                <a:latin typeface="+mn-lt"/>
-                <a:ea typeface="+mn-ea"/>
-                <a:cs typeface="+mn-cs"/>
-              </a:defRPr>
-            </a:lvl6pPr>
-            <a:lvl7pPr marL="2971800" indent="-228600" algn="l" defTabSz="914400" rtl="0" eaLnBrk="1" latinLnBrk="0" hangingPunct="1">
-              <a:lnSpc>
-                <a:spcPct val="90000"/>
-              </a:lnSpc>
-              <a:spcBef>
-                <a:spcPts val="500"/>
-              </a:spcBef>
-              <a:buFont typeface="Arial" panose="020B0604020202020204" pitchFamily="34" charset="0"/>
-              <a:buChar char="•"/>
-              <a:defRPr sz="1800" kern="1200">
-                <a:solidFill>
-                  <a:schemeClr val="tx1"/>
-                </a:solidFill>
-                <a:latin typeface="+mn-lt"/>
-                <a:ea typeface="+mn-ea"/>
-                <a:cs typeface="+mn-cs"/>
-              </a:defRPr>
-            </a:lvl7pPr>
-            <a:lvl8pPr marL="3429000" indent="-228600" algn="l" defTabSz="914400" rtl="0" eaLnBrk="1" latinLnBrk="0" hangingPunct="1">
-              <a:lnSpc>
-                <a:spcPct val="90000"/>
-              </a:lnSpc>
-              <a:spcBef>
-                <a:spcPts val="500"/>
-              </a:spcBef>
-              <a:buFont typeface="Arial" panose="020B0604020202020204" pitchFamily="34" charset="0"/>
-              <a:buChar char="•"/>
-              <a:defRPr sz="1800" kern="1200">
-                <a:solidFill>
-                  <a:schemeClr val="tx1"/>
-                </a:solidFill>
-                <a:latin typeface="+mn-lt"/>
-                <a:ea typeface="+mn-ea"/>
-                <a:cs typeface="+mn-cs"/>
-              </a:defRPr>
-            </a:lvl8pPr>
-            <a:lvl9pPr marL="3886200" indent="-228600" algn="l" defTabSz="914400" rtl="0" eaLnBrk="1" latinLnBrk="0" hangingPunct="1">
-              <a:lnSpc>
-                <a:spcPct val="90000"/>
-              </a:lnSpc>
-              <a:spcBef>
-                <a:spcPts val="500"/>
-              </a:spcBef>
-              <a:buFont typeface="Arial" panose="020B0604020202020204" pitchFamily="34" charset="0"/>
-              <a:buChar char="•"/>
-              <a:defRPr sz="1800" kern="1200">
-                <a:solidFill>
-                  <a:schemeClr val="tx1"/>
-                </a:solidFill>
-                <a:latin typeface="+mn-lt"/>
-                <a:ea typeface="+mn-ea"/>
-                <a:cs typeface="+mn-cs"/>
-              </a:defRPr>
-            </a:lvl9pPr>
-          </a:lstStyle>
-          <a:p>
-            <a:pPr marL="0" indent="0" algn="just">
-              <a:buFont typeface="Arial" panose="020B0604020202020204" pitchFamily="34" charset="0"/>
-              <a:buNone/>
-            </a:pPr>
-            <a:r>
-              <a:rPr lang="it-IT" sz="1600" b="1" dirty="0" smtClean="0">
-                <a:solidFill>
-                  <a:srgbClr val="000000"/>
-                </a:solidFill>
-                <a:latin typeface="Avenir LT Std 35 Light" panose="020B0402020203020204" pitchFamily="34" charset="0"/>
-              </a:rPr>
-              <a:t>In fase di implementazione</a:t>
-            </a:r>
-            <a:endParaRPr lang="it-IT" sz="1600" b="1" dirty="0">
               <a:solidFill>
                 <a:srgbClr val="000000"/>
               </a:solidFill>
@@ -7360,7 +7261,16 @@
                 </a:solidFill>
                 <a:latin typeface="Avenir LT Std 35 Light" panose="020B0402020203020204" pitchFamily="34" charset="0"/>
               </a:rPr>
-              <a:t>Conclusioni</a:t>
+              <a:t>Candidate </a:t>
+            </a:r>
+            <a:r>
+              <a:rPr lang="it-IT" sz="3400" b="1" dirty="0" err="1" smtClean="0">
+                <a:solidFill>
+                  <a:srgbClr val="000000"/>
+                </a:solidFill>
+                <a:latin typeface="Avenir LT Std 35 Light" panose="020B0402020203020204" pitchFamily="34" charset="0"/>
+              </a:rPr>
+              <a:t>addition</a:t>
             </a:r>
             <a:endParaRPr lang="it-IT" sz="3400" b="1" dirty="0">
               <a:solidFill>
@@ -7383,8 +7293,8 @@
         </p:nvSpPr>
         <p:spPr>
           <a:xfrm>
-            <a:off x="1024576" y="1407650"/>
-            <a:ext cx="10515600" cy="4379195"/>
+            <a:off x="1024576" y="1407651"/>
+            <a:ext cx="10515600" cy="1322486"/>
           </a:xfrm>
         </p:spPr>
         <p:txBody>
@@ -7403,6 +7313,237 @@
                 </a:solidFill>
                 <a:latin typeface="Avenir LT Std 35 Light" panose="020B0402020203020204" pitchFamily="34" charset="0"/>
               </a:rPr>
+              <a:t>Questo pulsante consente di aggiungere un nuovo candidato. I campi di testo risultano rossi se c’è qualche errore durante la compilazione. In caso contrario, essi risulteranno verdi. Puoi aggiungere un candidato solo se tutti i campi di testo </a:t>
+            </a:r>
+            <a:r>
+              <a:rPr lang="it-IT" dirty="0" smtClean="0">
+                <a:solidFill>
+                  <a:srgbClr val="000000"/>
+                </a:solidFill>
+                <a:latin typeface="Avenir LT Std 35 Light" panose="020B0402020203020204" pitchFamily="34" charset="0"/>
+              </a:rPr>
+              <a:t>r</a:t>
+            </a:r>
+            <a:r>
+              <a:rPr lang="it-IT" dirty="0" smtClean="0">
+                <a:solidFill>
+                  <a:srgbClr val="000000"/>
+                </a:solidFill>
+                <a:latin typeface="Avenir LT Std 35 Light" panose="020B0402020203020204" pitchFamily="34" charset="0"/>
+              </a:rPr>
+              <a:t>isultano verdi.</a:t>
+            </a:r>
+            <a:endParaRPr lang="it-IT" dirty="0">
+              <a:solidFill>
+                <a:srgbClr val="000000"/>
+              </a:solidFill>
+              <a:latin typeface="Avenir LT Std 35 Light" panose="020B0402020203020204" pitchFamily="34" charset="0"/>
+            </a:endParaRPr>
+          </a:p>
+        </p:txBody>
+      </p:sp>
+      <p:pic>
+        <p:nvPicPr>
+          <p:cNvPr id="10" name="Immagine 9"/>
+          <p:cNvPicPr>
+            <a:picLocks noChangeAspect="1"/>
+          </p:cNvPicPr>
+          <p:nvPr/>
+        </p:nvPicPr>
+        <p:blipFill>
+          <a:blip r:embed="rId2" cstate="print">
+            <a:duotone>
+              <a:schemeClr val="accent1">
+                <a:shade val="45000"/>
+                <a:satMod val="135000"/>
+              </a:schemeClr>
+              <a:prstClr val="white"/>
+            </a:duotone>
+            <a:extLst>
+              <a:ext uri="{BEBA8EAE-BF5A-486C-A8C5-ECC9F3942E4B}">
+                <a14:imgProps xmlns:a14="http://schemas.microsoft.com/office/drawing/2010/main">
+                  <a14:imgLayer r:embed="rId3">
+                    <a14:imgEffect>
+                      <a14:brightnessContrast bright="-98000" contrast="-1000"/>
+                    </a14:imgEffect>
+                  </a14:imgLayer>
+                </a14:imgProps>
+              </a:ext>
+              <a:ext uri="{28A0092B-C50C-407E-A947-70E740481C1C}">
+                <a14:useLocalDpi xmlns:a14="http://schemas.microsoft.com/office/drawing/2010/main" val="0"/>
+              </a:ext>
+            </a:extLst>
+          </a:blip>
+          <a:stretch>
+            <a:fillRect/>
+          </a:stretch>
+        </p:blipFill>
+        <p:spPr>
+          <a:xfrm>
+            <a:off x="-1584" y="6357256"/>
+            <a:ext cx="500743" cy="500743"/>
+          </a:xfrm>
+          <a:prstGeom prst="rect">
+            <a:avLst/>
+          </a:prstGeom>
+          <a:noFill/>
+        </p:spPr>
+      </p:pic>
+      <p:pic>
+        <p:nvPicPr>
+          <p:cNvPr id="9" name="Immagine 8"/>
+          <p:cNvPicPr>
+            <a:picLocks noChangeAspect="1"/>
+          </p:cNvPicPr>
+          <p:nvPr/>
+        </p:nvPicPr>
+        <p:blipFill rotWithShape="1">
+          <a:blip r:embed="rId4"/>
+          <a:srcRect l="88284" t="20532" r="2479" b="74795"/>
+          <a:stretch/>
+        </p:blipFill>
+        <p:spPr>
+          <a:xfrm>
+            <a:off x="9531249" y="497682"/>
+            <a:ext cx="1920027" cy="546100"/>
+          </a:xfrm>
+          <a:prstGeom prst="rect">
+            <a:avLst/>
+          </a:prstGeom>
+        </p:spPr>
+      </p:pic>
+      <p:pic>
+        <p:nvPicPr>
+          <p:cNvPr id="4" name="Immagine 3"/>
+          <p:cNvPicPr>
+            <a:picLocks noChangeAspect="1"/>
+          </p:cNvPicPr>
+          <p:nvPr/>
+        </p:nvPicPr>
+        <p:blipFill rotWithShape="1">
+          <a:blip r:embed="rId5"/>
+          <a:srcRect t="8681" r="22670" b="9201"/>
+          <a:stretch/>
+        </p:blipFill>
+        <p:spPr>
+          <a:xfrm>
+            <a:off x="2696346" y="2448036"/>
+            <a:ext cx="7201085" cy="4299291"/>
+          </a:xfrm>
+          <a:prstGeom prst="rect">
+            <a:avLst/>
+          </a:prstGeom>
+        </p:spPr>
+      </p:pic>
+    </p:spTree>
+    <p:extLst>
+      <p:ext uri="{BB962C8B-B14F-4D97-AF65-F5344CB8AC3E}">
+        <p14:creationId xmlns:p14="http://schemas.microsoft.com/office/powerpoint/2010/main" val="1159291516"/>
+      </p:ext>
+    </p:extLst>
+  </p:cSld>
+  <p:clrMapOvr>
+    <a:masterClrMapping/>
+  </p:clrMapOvr>
+  <p:timing>
+    <p:tnLst>
+      <p:par>
+        <p:cTn id="1" dur="indefinite" restart="never" nodeType="tmRoot"/>
+      </p:par>
+    </p:tnLst>
+  </p:timing>
+</p:sld>
+</file>
+
+<file path=ppt/slides/slide12.xml><?xml version="1.0" encoding="utf-8"?>
+<p:sld xmlns:a="http://schemas.openxmlformats.org/drawingml/2006/main" xmlns:r="http://schemas.openxmlformats.org/officeDocument/2006/relationships" xmlns:p="http://schemas.openxmlformats.org/presentationml/2006/main">
+  <p:cSld>
+    <p:spTree>
+      <p:nvGrpSpPr>
+        <p:cNvPr id="1" name=""/>
+        <p:cNvGrpSpPr/>
+        <p:nvPr/>
+      </p:nvGrpSpPr>
+      <p:grpSpPr>
+        <a:xfrm>
+          <a:off x="0" y="0"/>
+          <a:ext cx="0" cy="0"/>
+          <a:chOff x="0" y="0"/>
+          <a:chExt cx="0" cy="0"/>
+        </a:xfrm>
+      </p:grpSpPr>
+      <p:sp>
+        <p:nvSpPr>
+          <p:cNvPr id="2" name="Titolo 1"/>
+          <p:cNvSpPr>
+            <a:spLocks noGrp="1"/>
+          </p:cNvSpPr>
+          <p:nvPr>
+            <p:ph type="title"/>
+          </p:nvPr>
+        </p:nvSpPr>
+        <p:spPr>
+          <a:xfrm>
+            <a:off x="1024576" y="497682"/>
+            <a:ext cx="11019378" cy="745218"/>
+          </a:xfrm>
+        </p:spPr>
+        <p:txBody>
+          <a:bodyPr>
+            <a:noAutofit/>
+          </a:bodyPr>
+          <a:lstStyle/>
+          <a:p>
+            <a:r>
+              <a:rPr lang="it-IT" sz="3400" b="1" dirty="0" smtClean="0">
+                <a:solidFill>
+                  <a:srgbClr val="000000"/>
+                </a:solidFill>
+                <a:latin typeface="Avenir LT Std 35 Light" panose="020B0402020203020204" pitchFamily="34" charset="0"/>
+              </a:rPr>
+              <a:t>Conclusioni</a:t>
+            </a:r>
+            <a:endParaRPr lang="it-IT" sz="3400" b="1" dirty="0">
+              <a:solidFill>
+                <a:srgbClr val="000000"/>
+              </a:solidFill>
+              <a:latin typeface="Avenir LT Std 35 Light" panose="020B0402020203020204" pitchFamily="34" charset="0"/>
+            </a:endParaRPr>
+          </a:p>
+        </p:txBody>
+      </p:sp>
+      <p:sp>
+        <p:nvSpPr>
+          <p:cNvPr id="3" name="Segnaposto contenuto 2"/>
+          <p:cNvSpPr>
+            <a:spLocks noGrp="1"/>
+          </p:cNvSpPr>
+          <p:nvPr>
+            <p:ph idx="1"/>
+          </p:nvPr>
+        </p:nvSpPr>
+        <p:spPr>
+          <a:xfrm>
+            <a:off x="1024576" y="1407650"/>
+            <a:ext cx="10515600" cy="4379195"/>
+          </a:xfrm>
+        </p:spPr>
+        <p:txBody>
+          <a:bodyPr>
+            <a:normAutofit/>
+          </a:bodyPr>
+          <a:lstStyle/>
+          <a:p>
+            <a:pPr marL="0" indent="0" algn="just">
+              <a:buNone/>
+            </a:pPr>
+            <a:r>
+              <a:rPr lang="it-IT" dirty="0" smtClean="0">
+                <a:solidFill>
+                  <a:srgbClr val="000000"/>
+                </a:solidFill>
+                <a:latin typeface="Avenir LT Std 35 Light" panose="020B0402020203020204" pitchFamily="34" charset="0"/>
+              </a:rPr>
               <a:t>Il nostro software, dunque, ha lo scopo di facilitare la gestione dell’elenco dei candidati registrati dall’azienda.</a:t>
             </a:r>
           </a:p>
@@ -7429,20 +7570,14 @@
                 </a:solidFill>
                 <a:latin typeface="Avenir LT Std 35 Light" panose="020B0402020203020204" pitchFamily="34" charset="0"/>
               </a:rPr>
-              <a:t>Aggiunta, modifica e rimozione del candidato;</a:t>
-            </a:r>
-          </a:p>
-          <a:p>
-            <a:pPr lvl="1" algn="just"/>
-            <a:r>
-              <a:rPr lang="it-IT" dirty="0" smtClean="0">
-                <a:solidFill>
-                  <a:srgbClr val="000000"/>
-                </a:solidFill>
-                <a:latin typeface="Avenir LT Std 35 Light" panose="020B0402020203020204" pitchFamily="34" charset="0"/>
-              </a:rPr>
-              <a:t>Log-in con autenticazione;</a:t>
-            </a:r>
+              <a:t>Miglioramento dell’interfaccia grafica;</a:t>
+            </a:r>
+            <a:endParaRPr lang="it-IT" dirty="0" smtClean="0">
+              <a:solidFill>
+                <a:srgbClr val="000000"/>
+              </a:solidFill>
+              <a:latin typeface="Avenir LT Std 35 Light" panose="020B0402020203020204" pitchFamily="34" charset="0"/>
+            </a:endParaRPr>
           </a:p>
           <a:p>
             <a:pPr lvl="1" algn="just"/>
@@ -7539,7 +7674,7 @@
 </p:sld>
 </file>
 
-<file path=ppt/slides/slide12.xml><?xml version="1.0" encoding="utf-8"?>
+<file path=ppt/slides/slide13.xml><?xml version="1.0" encoding="utf-8"?>
 <p:sld xmlns:a="http://schemas.openxmlformats.org/drawingml/2006/main" xmlns:r="http://schemas.openxmlformats.org/officeDocument/2006/relationships" xmlns:p="http://schemas.openxmlformats.org/presentationml/2006/main">
   <p:cSld>
     <p:spTree>
@@ -7586,25 +7721,7 @@
                 </a:solidFill>
                 <a:latin typeface="Avenir LT Std 35 Light" panose="020B0402020203020204" pitchFamily="34" charset="0"/>
               </a:rPr>
-              <a:t>Grazie per </a:t>
-            </a:r>
-            <a:r>
-              <a:rPr lang="en-US" sz="3400" b="1" dirty="0" err="1" smtClean="0">
-                <a:solidFill>
-                  <a:srgbClr val="000000"/>
-                </a:solidFill>
-                <a:latin typeface="Avenir LT Std 35 Light" panose="020B0402020203020204" pitchFamily="34" charset="0"/>
-              </a:rPr>
-              <a:t>l’attenzione</a:t>
-            </a:r>
-            <a:r>
-              <a:rPr lang="en-US" sz="3400" b="1" smtClean="0">
-                <a:solidFill>
-                  <a:srgbClr val="000000"/>
-                </a:solidFill>
-                <a:latin typeface="Avenir LT Std 35 Light" panose="020B0402020203020204" pitchFamily="34" charset="0"/>
-              </a:rPr>
-              <a:t>.</a:t>
+              <a:t>Grazie per l’attenzione.</a:t>
             </a:r>
             <a:endParaRPr lang="it-IT" sz="3400" b="1" dirty="0">
               <a:solidFill>
@@ -7768,7 +7885,7 @@
           <a:lstStyle/>
           <a:p>
             <a:r>
-              <a:rPr lang="it-IT" sz="3600" b="1" dirty="0" smtClean="0">
+              <a:rPr lang="it-IT" sz="3600" b="1" dirty="0">
                 <a:solidFill>
                   <a:srgbClr val="000000"/>
                 </a:solidFill>
@@ -7811,7 +7928,7 @@
               <a:buNone/>
             </a:pPr>
             <a:r>
-              <a:rPr lang="it-IT" dirty="0" smtClean="0">
+              <a:rPr lang="it-IT" dirty="0">
                 <a:solidFill>
                   <a:srgbClr val="000000"/>
                 </a:solidFill>
@@ -7820,7 +7937,7 @@
               <a:t>«Suit» è la nostra web </a:t>
             </a:r>
             <a:r>
-              <a:rPr lang="it-IT" dirty="0" err="1" smtClean="0">
+              <a:rPr lang="it-IT" dirty="0" err="1">
                 <a:solidFill>
                   <a:srgbClr val="000000"/>
                 </a:solidFill>
@@ -7829,7 +7946,7 @@
               <a:t>app</a:t>
             </a:r>
             <a:r>
-              <a:rPr lang="it-IT" dirty="0" smtClean="0">
+              <a:rPr lang="it-IT" dirty="0">
                 <a:solidFill>
                   <a:srgbClr val="000000"/>
                 </a:solidFill>
@@ -7838,7 +7955,7 @@
               <a:t> di gestione delle </a:t>
             </a:r>
             <a:r>
-              <a:rPr lang="it-IT" b="1" i="1" dirty="0" smtClean="0">
+              <a:rPr lang="it-IT" b="1" i="1" dirty="0">
                 <a:solidFill>
                   <a:srgbClr val="000000"/>
                 </a:solidFill>
@@ -7847,7 +7964,7 @@
               <a:t>HR</a:t>
             </a:r>
             <a:r>
-              <a:rPr lang="it-IT" dirty="0" smtClean="0">
+              <a:rPr lang="it-IT" dirty="0">
                 <a:solidFill>
                   <a:srgbClr val="000000"/>
                 </a:solidFill>
@@ -7864,29 +7981,6 @@
           </a:p>
         </p:txBody>
       </p:sp>
-      <p:pic>
-        <p:nvPicPr>
-          <p:cNvPr id="7" name="Immagine 6"/>
-          <p:cNvPicPr>
-            <a:picLocks noChangeAspect="1"/>
-          </p:cNvPicPr>
-          <p:nvPr/>
-        </p:nvPicPr>
-        <p:blipFill rotWithShape="1">
-          <a:blip r:embed="rId2"/>
-          <a:srcRect t="17839" b="14560"/>
-          <a:stretch/>
-        </p:blipFill>
-        <p:spPr>
-          <a:xfrm>
-            <a:off x="1116016" y="2272937"/>
-            <a:ext cx="10522468" cy="3958046"/>
-          </a:xfrm>
-          <a:prstGeom prst="rect">
-            <a:avLst/>
-          </a:prstGeom>
-        </p:spPr>
-      </p:pic>
       <p:pic>
         <p:nvPicPr>
           <p:cNvPr id="5" name="Immagine 4"/>
@@ -7896,7 +7990,7 @@
           <p:nvPr/>
         </p:nvPicPr>
         <p:blipFill>
-          <a:blip r:embed="rId3" cstate="print">
+          <a:blip r:embed="rId2" cstate="print">
             <a:duotone>
               <a:schemeClr val="accent1">
                 <a:shade val="45000"/>
@@ -7907,7 +8001,7 @@
             <a:extLst>
               <a:ext uri="{BEBA8EAE-BF5A-486C-A8C5-ECC9F3942E4B}">
                 <a14:imgProps xmlns:a14="http://schemas.microsoft.com/office/drawing/2010/main">
-                  <a14:imgLayer r:embed="rId4">
+                  <a14:imgLayer r:embed="rId3">
                     <a14:imgEffect>
                       <a14:brightnessContrast bright="-98000" contrast="-1000"/>
                     </a14:imgEffect>
@@ -7934,10 +8028,71 @@
           <a:noFill/>
         </p:spPr>
       </p:pic>
+      <p:grpSp>
+        <p:nvGrpSpPr>
+          <p:cNvPr id="6" name="Gruppo 5"/>
+          <p:cNvGrpSpPr/>
+          <p:nvPr/>
+        </p:nvGrpSpPr>
+        <p:grpSpPr>
+          <a:xfrm>
+            <a:off x="1116016" y="2272937"/>
+            <a:ext cx="10522468" cy="3958046"/>
+            <a:chOff x="1116016" y="2272937"/>
+            <a:chExt cx="10522468" cy="3958046"/>
+          </a:xfrm>
+        </p:grpSpPr>
+        <p:pic>
+          <p:nvPicPr>
+            <p:cNvPr id="7" name="Immagine 6"/>
+            <p:cNvPicPr>
+              <a:picLocks noChangeAspect="1"/>
+            </p:cNvPicPr>
+            <p:nvPr/>
+          </p:nvPicPr>
+          <p:blipFill rotWithShape="1">
+            <a:blip r:embed="rId4"/>
+            <a:srcRect t="17839" b="14560"/>
+            <a:stretch/>
+          </p:blipFill>
+          <p:spPr>
+            <a:xfrm>
+              <a:off x="1116016" y="2272937"/>
+              <a:ext cx="10522468" cy="3958046"/>
+            </a:xfrm>
+            <a:prstGeom prst="rect">
+              <a:avLst/>
+            </a:prstGeom>
+          </p:spPr>
+        </p:pic>
+        <p:pic>
+          <p:nvPicPr>
+            <p:cNvPr id="4" name="Immagine 3"/>
+            <p:cNvPicPr>
+              <a:picLocks noChangeAspect="1"/>
+            </p:cNvPicPr>
+            <p:nvPr/>
+          </p:nvPicPr>
+          <p:blipFill rotWithShape="1">
+            <a:blip r:embed="rId5"/>
+            <a:srcRect l="88284" t="19375" r="2479" b="74375"/>
+            <a:stretch/>
+          </p:blipFill>
+          <p:spPr>
+            <a:xfrm>
+              <a:off x="10448898" y="2860085"/>
+              <a:ext cx="1015078" cy="386171"/>
+            </a:xfrm>
+            <a:prstGeom prst="rect">
+              <a:avLst/>
+            </a:prstGeom>
+          </p:spPr>
+        </p:pic>
+      </p:grpSp>
     </p:spTree>
     <p:extLst>
       <p:ext uri="{BB962C8B-B14F-4D97-AF65-F5344CB8AC3E}">
-        <p14:creationId xmlns:p14="http://schemas.microsoft.com/office/powerpoint/2010/main" val="3650890711"/>
+        <p14:creationId xmlns:p14="http://schemas.microsoft.com/office/powerpoint/2010/main" val="667669810"/>
       </p:ext>
     </p:extLst>
   </p:cSld>
@@ -8736,6 +8891,29 @@
           <a:noFill/>
         </p:spPr>
       </p:pic>
+      <p:pic>
+        <p:nvPicPr>
+          <p:cNvPr id="7" name="Immagine 6"/>
+          <p:cNvPicPr>
+            <a:picLocks noChangeAspect="1"/>
+          </p:cNvPicPr>
+          <p:nvPr/>
+        </p:nvPicPr>
+        <p:blipFill rotWithShape="1">
+          <a:blip r:embed="rId5"/>
+          <a:srcRect l="88284" t="19375" r="2479" b="74375"/>
+          <a:stretch/>
+        </p:blipFill>
+        <p:spPr>
+          <a:xfrm>
+            <a:off x="10448898" y="2860085"/>
+            <a:ext cx="1015078" cy="386171"/>
+          </a:xfrm>
+          <a:prstGeom prst="rect">
+            <a:avLst/>
+          </a:prstGeom>
+        </p:spPr>
+      </p:pic>
     </p:spTree>
     <p:extLst>
       <p:ext uri="{BB962C8B-B14F-4D97-AF65-F5344CB8AC3E}">
@@ -9000,6 +9178,29 @@
             <a:avLst/>
           </a:prstGeom>
           <a:noFill/>
+        </p:spPr>
+      </p:pic>
+      <p:pic>
+        <p:nvPicPr>
+          <p:cNvPr id="7" name="Immagine 6"/>
+          <p:cNvPicPr>
+            <a:picLocks noChangeAspect="1"/>
+          </p:cNvPicPr>
+          <p:nvPr/>
+        </p:nvPicPr>
+        <p:blipFill rotWithShape="1">
+          <a:blip r:embed="rId5"/>
+          <a:srcRect l="88284" t="19375" r="2479" b="74375"/>
+          <a:stretch/>
+        </p:blipFill>
+        <p:spPr>
+          <a:xfrm>
+            <a:off x="10716185" y="2894888"/>
+            <a:ext cx="1015078" cy="386171"/>
+          </a:xfrm>
+          <a:prstGeom prst="rect">
+            <a:avLst/>
+          </a:prstGeom>
         </p:spPr>
       </p:pic>
     </p:spTree>
@@ -9062,7 +9263,7 @@
           <a:lstStyle/>
           <a:p>
             <a:r>
-              <a:rPr lang="it-IT" sz="3400" b="1" dirty="0" smtClean="0">
+              <a:rPr lang="it-IT" sz="3400" b="1" dirty="0">
                 <a:solidFill>
                   <a:srgbClr val="000000"/>
                 </a:solidFill>
@@ -9071,7 +9272,7 @@
               <a:t>Ricerca e filtri </a:t>
             </a:r>
             <a:r>
-              <a:rPr lang="it-IT" sz="3400" b="1" dirty="0" smtClean="0">
+              <a:rPr lang="it-IT" sz="3400" b="1" dirty="0">
                 <a:solidFill>
                   <a:srgbClr val="000000"/>
                 </a:solidFill>
@@ -9081,7 +9282,7 @@
               <a:t>•</a:t>
             </a:r>
             <a:r>
-              <a:rPr lang="it-IT" sz="3400" b="1" dirty="0" smtClean="0">
+              <a:rPr lang="it-IT" sz="3400" b="1" dirty="0">
                 <a:solidFill>
                   <a:srgbClr val="000000"/>
                 </a:solidFill>
@@ -9130,34 +9331,7 @@
                 </a:solidFill>
                 <a:latin typeface="Avenir LT Std 35 Light" panose="020B0402020203020204" pitchFamily="34" charset="0"/>
               </a:rPr>
-              <a:t>Il seguente pannello visualizza un elenco in cui sono racchiusi i </a:t>
-            </a:r>
-            <a:r>
-              <a:rPr lang="it-IT" dirty="0" smtClean="0">
-                <a:solidFill>
-                  <a:srgbClr val="000000"/>
-                </a:solidFill>
-                <a:latin typeface="Avenir LT Std 35 Light" panose="020B0402020203020204" pitchFamily="34" charset="0"/>
-              </a:rPr>
-              <a:t>filtri applicabili e combinabili fra loro per </a:t>
-            </a:r>
-            <a:r>
-              <a:rPr lang="it-IT" dirty="0">
-                <a:solidFill>
-                  <a:srgbClr val="000000"/>
-                </a:solidFill>
-                <a:latin typeface="Avenir LT Std 35 Light" panose="020B0402020203020204" pitchFamily="34" charset="0"/>
-              </a:rPr>
-              <a:t>la visualizzazione </a:t>
-            </a:r>
-            <a:r>
-              <a:rPr lang="it-IT" dirty="0" smtClean="0">
-                <a:solidFill>
-                  <a:srgbClr val="000000"/>
-                </a:solidFill>
-                <a:latin typeface="Avenir LT Std 35 Light" panose="020B0402020203020204" pitchFamily="34" charset="0"/>
-              </a:rPr>
-              <a:t>di candidati specifici.</a:t>
+              <a:t>Il seguente pannello visualizza un elenco in cui sono racchiusi i filtri applicabili e combinabili fra loro per la visualizzazione di candidati specifici.</a:t>
             </a:r>
             <a:endParaRPr lang="it-IT" dirty="0">
               <a:solidFill>
@@ -9168,237 +9342,6 @@
           </a:p>
         </p:txBody>
       </p:sp>
-      <p:sp>
-        <p:nvSpPr>
-          <p:cNvPr id="6" name="Segnaposto contenuto 2"/>
-          <p:cNvSpPr txBox="1">
-            <a:spLocks/>
-          </p:cNvSpPr>
-          <p:nvPr/>
-        </p:nvSpPr>
-        <p:spPr>
-          <a:xfrm>
-            <a:off x="10149840" y="6486123"/>
-            <a:ext cx="2032687" cy="361406"/>
-          </a:xfrm>
-          <a:prstGeom prst="rect">
-            <a:avLst/>
-          </a:prstGeom>
-        </p:spPr>
-        <p:txBody>
-          <a:bodyPr vert="horz" lIns="91440" tIns="45720" rIns="91440" bIns="45720" rtlCol="0">
-            <a:noAutofit/>
-          </a:bodyPr>
-          <a:lstStyle>
-            <a:lvl1pPr marL="228600" indent="-228600" algn="l" defTabSz="914400" rtl="0" eaLnBrk="1" latinLnBrk="0" hangingPunct="1">
-              <a:lnSpc>
-                <a:spcPct val="90000"/>
-              </a:lnSpc>
-              <a:spcBef>
-                <a:spcPts val="1000"/>
-              </a:spcBef>
-              <a:buFont typeface="Arial" panose="020B0604020202020204" pitchFamily="34" charset="0"/>
-              <a:buChar char="•"/>
-              <a:defRPr sz="2800" kern="1200">
-                <a:solidFill>
-                  <a:schemeClr val="tx1"/>
-                </a:solidFill>
-                <a:latin typeface="+mn-lt"/>
-                <a:ea typeface="+mn-ea"/>
-                <a:cs typeface="+mn-cs"/>
-              </a:defRPr>
-            </a:lvl1pPr>
-            <a:lvl2pPr marL="685800" indent="-228600" algn="l" defTabSz="914400" rtl="0" eaLnBrk="1" latinLnBrk="0" hangingPunct="1">
-              <a:lnSpc>
-                <a:spcPct val="90000"/>
-              </a:lnSpc>
-              <a:spcBef>
-                <a:spcPts val="500"/>
-              </a:spcBef>
-              <a:buFont typeface="Arial" panose="020B0604020202020204" pitchFamily="34" charset="0"/>
-              <a:buChar char="•"/>
-              <a:defRPr sz="2400" kern="1200">
-                <a:solidFill>
-                  <a:schemeClr val="tx1"/>
-                </a:solidFill>
-                <a:latin typeface="+mn-lt"/>
-                <a:ea typeface="+mn-ea"/>
-                <a:cs typeface="+mn-cs"/>
-              </a:defRPr>
-            </a:lvl2pPr>
-            <a:lvl3pPr marL="1143000" indent="-228600" algn="l" defTabSz="914400" rtl="0" eaLnBrk="1" latinLnBrk="0" hangingPunct="1">
-              <a:lnSpc>
-                <a:spcPct val="90000"/>
-              </a:lnSpc>
-              <a:spcBef>
-                <a:spcPts val="500"/>
-              </a:spcBef>
-              <a:buFont typeface="Arial" panose="020B0604020202020204" pitchFamily="34" charset="0"/>
-              <a:buChar char="•"/>
-              <a:defRPr sz="2000" kern="1200">
-                <a:solidFill>
-                  <a:schemeClr val="tx1"/>
-                </a:solidFill>
-                <a:latin typeface="+mn-lt"/>
-                <a:ea typeface="+mn-ea"/>
-                <a:cs typeface="+mn-cs"/>
-              </a:defRPr>
-            </a:lvl3pPr>
-            <a:lvl4pPr marL="1600200" indent="-228600" algn="l" defTabSz="914400" rtl="0" eaLnBrk="1" latinLnBrk="0" hangingPunct="1">
-              <a:lnSpc>
-                <a:spcPct val="90000"/>
-              </a:lnSpc>
-              <a:spcBef>
-                <a:spcPts val="500"/>
-              </a:spcBef>
-              <a:buFont typeface="Arial" panose="020B0604020202020204" pitchFamily="34" charset="0"/>
-              <a:buChar char="•"/>
-              <a:defRPr sz="1800" kern="1200">
-                <a:solidFill>
-                  <a:schemeClr val="tx1"/>
-                </a:solidFill>
-                <a:latin typeface="+mn-lt"/>
-                <a:ea typeface="+mn-ea"/>
-                <a:cs typeface="+mn-cs"/>
-              </a:defRPr>
-            </a:lvl4pPr>
-            <a:lvl5pPr marL="2057400" indent="-228600" algn="l" defTabSz="914400" rtl="0" eaLnBrk="1" latinLnBrk="0" hangingPunct="1">
-              <a:lnSpc>
-                <a:spcPct val="90000"/>
-              </a:lnSpc>
-              <a:spcBef>
-                <a:spcPts val="500"/>
-              </a:spcBef>
-              <a:buFont typeface="Arial" panose="020B0604020202020204" pitchFamily="34" charset="0"/>
-              <a:buChar char="•"/>
-              <a:defRPr sz="1800" kern="1200">
-                <a:solidFill>
-                  <a:schemeClr val="tx1"/>
-                </a:solidFill>
-                <a:latin typeface="+mn-lt"/>
-                <a:ea typeface="+mn-ea"/>
-                <a:cs typeface="+mn-cs"/>
-              </a:defRPr>
-            </a:lvl5pPr>
-            <a:lvl6pPr marL="2514600" indent="-228600" algn="l" defTabSz="914400" rtl="0" eaLnBrk="1" latinLnBrk="0" hangingPunct="1">
-              <a:lnSpc>
-                <a:spcPct val="90000"/>
-              </a:lnSpc>
-              <a:spcBef>
-                <a:spcPts val="500"/>
-              </a:spcBef>
-              <a:buFont typeface="Arial" panose="020B0604020202020204" pitchFamily="34" charset="0"/>
-              <a:buChar char="•"/>
-              <a:defRPr sz="1800" kern="1200">
-                <a:solidFill>
-                  <a:schemeClr val="tx1"/>
-                </a:solidFill>
-                <a:latin typeface="+mn-lt"/>
-                <a:ea typeface="+mn-ea"/>
-                <a:cs typeface="+mn-cs"/>
-              </a:defRPr>
-            </a:lvl6pPr>
-            <a:lvl7pPr marL="2971800" indent="-228600" algn="l" defTabSz="914400" rtl="0" eaLnBrk="1" latinLnBrk="0" hangingPunct="1">
-              <a:lnSpc>
-                <a:spcPct val="90000"/>
-              </a:lnSpc>
-              <a:spcBef>
-                <a:spcPts val="500"/>
-              </a:spcBef>
-              <a:buFont typeface="Arial" panose="020B0604020202020204" pitchFamily="34" charset="0"/>
-              <a:buChar char="•"/>
-              <a:defRPr sz="1800" kern="1200">
-                <a:solidFill>
-                  <a:schemeClr val="tx1"/>
-                </a:solidFill>
-                <a:latin typeface="+mn-lt"/>
-                <a:ea typeface="+mn-ea"/>
-                <a:cs typeface="+mn-cs"/>
-              </a:defRPr>
-            </a:lvl7pPr>
-            <a:lvl8pPr marL="3429000" indent="-228600" algn="l" defTabSz="914400" rtl="0" eaLnBrk="1" latinLnBrk="0" hangingPunct="1">
-              <a:lnSpc>
-                <a:spcPct val="90000"/>
-              </a:lnSpc>
-              <a:spcBef>
-                <a:spcPts val="500"/>
-              </a:spcBef>
-              <a:buFont typeface="Arial" panose="020B0604020202020204" pitchFamily="34" charset="0"/>
-              <a:buChar char="•"/>
-              <a:defRPr sz="1800" kern="1200">
-                <a:solidFill>
-                  <a:schemeClr val="tx1"/>
-                </a:solidFill>
-                <a:latin typeface="+mn-lt"/>
-                <a:ea typeface="+mn-ea"/>
-                <a:cs typeface="+mn-cs"/>
-              </a:defRPr>
-            </a:lvl8pPr>
-            <a:lvl9pPr marL="3886200" indent="-228600" algn="l" defTabSz="914400" rtl="0" eaLnBrk="1" latinLnBrk="0" hangingPunct="1">
-              <a:lnSpc>
-                <a:spcPct val="90000"/>
-              </a:lnSpc>
-              <a:spcBef>
-                <a:spcPts val="500"/>
-              </a:spcBef>
-              <a:buFont typeface="Arial" panose="020B0604020202020204" pitchFamily="34" charset="0"/>
-              <a:buChar char="•"/>
-              <a:defRPr sz="1800" kern="1200">
-                <a:solidFill>
-                  <a:schemeClr val="tx1"/>
-                </a:solidFill>
-                <a:latin typeface="+mn-lt"/>
-                <a:ea typeface="+mn-ea"/>
-                <a:cs typeface="+mn-cs"/>
-              </a:defRPr>
-            </a:lvl9pPr>
-          </a:lstStyle>
-          <a:p>
-            <a:pPr marL="0" indent="0" algn="just">
-              <a:buFont typeface="Arial" panose="020B0604020202020204" pitchFamily="34" charset="0"/>
-              <a:buNone/>
-            </a:pPr>
-            <a:r>
-              <a:rPr lang="it-IT" sz="1600" b="1" dirty="0" smtClean="0">
-                <a:solidFill>
-                  <a:srgbClr val="000000"/>
-                </a:solidFill>
-                <a:latin typeface="Avenir LT Std 35 Light" panose="020B0402020203020204" pitchFamily="34" charset="0"/>
-              </a:rPr>
-              <a:t>In fase di modifica</a:t>
-            </a:r>
-            <a:endParaRPr lang="it-IT" sz="1600" b="1" dirty="0">
-              <a:solidFill>
-                <a:srgbClr val="000000"/>
-              </a:solidFill>
-              <a:latin typeface="Avenir LT Std 35 Light" panose="020B0402020203020204" pitchFamily="34" charset="0"/>
-            </a:endParaRPr>
-          </a:p>
-        </p:txBody>
-      </p:sp>
-      <p:pic>
-        <p:nvPicPr>
-          <p:cNvPr id="7" name="Immagine 6"/>
-          <p:cNvPicPr>
-            <a:picLocks noChangeAspect="1"/>
-          </p:cNvPicPr>
-          <p:nvPr/>
-        </p:nvPicPr>
-        <p:blipFill rotWithShape="1">
-          <a:blip r:embed="rId2"/>
-          <a:srcRect l="23618" t="29791" r="54780" b="39773"/>
-          <a:stretch/>
-        </p:blipFill>
-        <p:spPr>
-          <a:xfrm>
-            <a:off x="4264956" y="2510085"/>
-            <a:ext cx="4538617" cy="3595198"/>
-          </a:xfrm>
-          <a:prstGeom prst="rect">
-            <a:avLst/>
-          </a:prstGeom>
-        </p:spPr>
-      </p:pic>
       <p:pic>
         <p:nvPicPr>
           <p:cNvPr id="8" name="Immagine 7"/>
@@ -9408,7 +9351,7 @@
           <p:nvPr/>
         </p:nvPicPr>
         <p:blipFill>
-          <a:blip r:embed="rId3" cstate="print">
+          <a:blip r:embed="rId2" cstate="print">
             <a:duotone>
               <a:schemeClr val="accent1">
                 <a:shade val="45000"/>
@@ -9419,7 +9362,7 @@
             <a:extLst>
               <a:ext uri="{BEBA8EAE-BF5A-486C-A8C5-ECC9F3942E4B}">
                 <a14:imgProps xmlns:a14="http://schemas.microsoft.com/office/drawing/2010/main">
-                  <a14:imgLayer r:embed="rId4">
+                  <a14:imgLayer r:embed="rId3">
                     <a14:imgEffect>
                       <a14:brightnessContrast bright="-98000" contrast="-1000"/>
                     </a14:imgEffect>
@@ -9446,10 +9389,33 @@
           <a:noFill/>
         </p:spPr>
       </p:pic>
+      <p:pic>
+        <p:nvPicPr>
+          <p:cNvPr id="4" name="Immagine 3"/>
+          <p:cNvPicPr>
+            <a:picLocks noChangeAspect="1"/>
+          </p:cNvPicPr>
+          <p:nvPr/>
+        </p:nvPicPr>
+        <p:blipFill rotWithShape="1">
+          <a:blip r:embed="rId4"/>
+          <a:srcRect l="23943" t="22768" r="57103" b="46339"/>
+          <a:stretch/>
+        </p:blipFill>
+        <p:spPr>
+          <a:xfrm>
+            <a:off x="4441371" y="2293997"/>
+            <a:ext cx="4164748" cy="3816422"/>
+          </a:xfrm>
+          <a:prstGeom prst="rect">
+            <a:avLst/>
+          </a:prstGeom>
+        </p:spPr>
+      </p:pic>
     </p:spTree>
     <p:extLst>
       <p:ext uri="{BB962C8B-B14F-4D97-AF65-F5344CB8AC3E}">
-        <p14:creationId xmlns:p14="http://schemas.microsoft.com/office/powerpoint/2010/main" val="4142940866"/>
+        <p14:creationId xmlns:p14="http://schemas.microsoft.com/office/powerpoint/2010/main" val="3812906190"/>
       </p:ext>
     </p:extLst>
   </p:cSld>
@@ -10346,6 +10312,12 @@
               </a:rPr>
               <a:t> Descrizione dettagliata</a:t>
             </a:r>
+            <a:endParaRPr lang="it-IT" sz="3600" b="1" dirty="0">
+              <a:solidFill>
+                <a:srgbClr val="000000"/>
+              </a:solidFill>
+              <a:latin typeface="Avenir LT Std 35 Light" panose="020B0402020203020204" pitchFamily="34" charset="0"/>
+            </a:endParaRPr>
           </a:p>
         </p:txBody>
       </p:sp>
@@ -10381,26 +10353,14 @@
                 </a:solidFill>
                 <a:latin typeface="Avenir LT Std 35 Light" panose="020B0402020203020204" pitchFamily="34" charset="0"/>
               </a:rPr>
-              <a:t>Questo pulsante permette di visualizzare le informazioni dettagliate del candidato </a:t>
-            </a:r>
-            <a:r>
-              <a:rPr lang="it-IT" dirty="0" smtClean="0">
-                <a:solidFill>
-                  <a:srgbClr val="000000"/>
-                </a:solidFill>
-                <a:latin typeface="Avenir LT Std 35 Light" panose="020B0402020203020204" pitchFamily="34" charset="0"/>
-              </a:rPr>
-              <a:t>corrispondente alla </a:t>
-            </a:r>
-            <a:r>
-              <a:rPr lang="it-IT" dirty="0">
-                <a:solidFill>
-                  <a:srgbClr val="000000"/>
-                </a:solidFill>
-                <a:latin typeface="Avenir LT Std 35 Light" panose="020B0402020203020204" pitchFamily="34" charset="0"/>
-              </a:rPr>
-              <a:t>riga selezionata.</a:t>
-            </a:r>
+              <a:t>Questo pulsante permette di visualizzare le informazioni dettagliate del candidato corrispondente alla riga selezionata.</a:t>
+            </a:r>
+            <a:endParaRPr lang="it-IT" dirty="0">
+              <a:solidFill>
+                <a:srgbClr val="000000"/>
+              </a:solidFill>
+              <a:latin typeface="Avenir LT Std 35 Light" panose="020B0402020203020204" pitchFamily="34" charset="0"/>
+            </a:endParaRPr>
           </a:p>
         </p:txBody>
       </p:sp>
@@ -10433,49 +10393,26 @@
           </a:effectLst>
         </p:spPr>
       </p:pic>
-      <p:pic>
-        <p:nvPicPr>
-          <p:cNvPr id="7" name="Immagine 6"/>
-          <p:cNvPicPr>
-            <a:picLocks noChangeAspect="1"/>
-          </p:cNvPicPr>
+      <p:sp>
+        <p:nvSpPr>
+          <p:cNvPr id="8" name="Segnaposto contenuto 2"/>
+          <p:cNvSpPr txBox="1">
+            <a:spLocks/>
+          </p:cNvSpPr>
           <p:nvPr/>
-        </p:nvPicPr>
-        <p:blipFill rotWithShape="1">
-          <a:blip r:embed="rId3"/>
-          <a:srcRect t="33876" b="26083"/>
-          <a:stretch/>
-        </p:blipFill>
-        <p:spPr>
-          <a:xfrm>
-            <a:off x="1024576" y="2168434"/>
-            <a:ext cx="10758389" cy="2421891"/>
+        </p:nvSpPr>
+        <p:spPr>
+          <a:xfrm>
+            <a:off x="1024576" y="4779590"/>
+            <a:ext cx="10515600" cy="2230809"/>
           </a:xfrm>
           <a:prstGeom prst="rect">
             <a:avLst/>
           </a:prstGeom>
         </p:spPr>
-      </p:pic>
-      <p:sp>
-        <p:nvSpPr>
-          <p:cNvPr id="8" name="Segnaposto contenuto 2"/>
-          <p:cNvSpPr txBox="1">
-            <a:spLocks/>
-          </p:cNvSpPr>
-          <p:nvPr/>
-        </p:nvSpPr>
-        <p:spPr>
-          <a:xfrm>
-            <a:off x="1024576" y="4779591"/>
-            <a:ext cx="10515600" cy="1843278"/>
-          </a:xfrm>
-          <a:prstGeom prst="rect">
-            <a:avLst/>
-          </a:prstGeom>
-        </p:spPr>
         <p:txBody>
           <a:bodyPr vert="horz" lIns="91440" tIns="45720" rIns="91440" bIns="45720" rtlCol="0">
-            <a:normAutofit fontScale="92500" lnSpcReduction="10000"/>
+            <a:normAutofit/>
           </a:bodyPr>
           <a:lstStyle>
             <a:lvl1pPr marL="228600" indent="-228600" algn="l" defTabSz="914400" rtl="0" eaLnBrk="1" latinLnBrk="0" hangingPunct="1">
@@ -10643,21 +10580,17 @@
           </a:lstStyle>
           <a:p>
             <a:pPr marL="0" indent="0" algn="just">
-              <a:buFont typeface="Arial" panose="020B0604020202020204" pitchFamily="34" charset="0"/>
               <a:buNone/>
             </a:pPr>
             <a:r>
-              <a:rPr lang="it-IT" sz="2000" dirty="0" smtClean="0">
+              <a:rPr lang="it-IT" sz="2000" dirty="0">
                 <a:solidFill>
                   <a:srgbClr val="000000"/>
                 </a:solidFill>
                 <a:latin typeface="Avenir LT Std 35 Light" panose="020B0402020203020204" pitchFamily="34" charset="0"/>
               </a:rPr>
-              <a:t>La riga si espande mostrando i dettagli del candidato:</a:t>
-            </a:r>
-          </a:p>
-          <a:p>
-            <a:pPr algn="just"/>
+              <a:t>La riga si espande mostrando i dettagli del </a:t>
+            </a:r>
             <a:r>
               <a:rPr lang="it-IT" sz="2000" dirty="0" smtClean="0">
                 <a:solidFill>
@@ -10665,8 +10598,14 @@
                 </a:solidFill>
                 <a:latin typeface="Avenir LT Std 35 Light" panose="020B0402020203020204" pitchFamily="34" charset="0"/>
               </a:rPr>
-              <a:t>Nome completo;</a:t>
-            </a:r>
+              <a:t>candidato (se inseriti):</a:t>
+            </a:r>
+            <a:endParaRPr lang="it-IT" sz="2000" dirty="0">
+              <a:solidFill>
+                <a:srgbClr val="000000"/>
+              </a:solidFill>
+              <a:latin typeface="Avenir LT Std 35 Light" panose="020B0402020203020204" pitchFamily="34" charset="0"/>
+            </a:endParaRPr>
           </a:p>
           <a:p>
             <a:pPr algn="just"/>
@@ -10677,8 +10616,14 @@
                 </a:solidFill>
                 <a:latin typeface="Avenir LT Std 35 Light" panose="020B0402020203020204" pitchFamily="34" charset="0"/>
               </a:rPr>
-              <a:t>Data di nascita;</a:t>
-            </a:r>
+              <a:t>Note;</a:t>
+            </a:r>
+            <a:endParaRPr lang="it-IT" sz="2000" dirty="0" smtClean="0">
+              <a:solidFill>
+                <a:srgbClr val="000000"/>
+              </a:solidFill>
+              <a:latin typeface="Avenir LT Std 35 Light" panose="020B0402020203020204" pitchFamily="34" charset="0"/>
+            </a:endParaRPr>
           </a:p>
           <a:p>
             <a:pPr algn="just"/>
@@ -10689,21 +10634,63 @@
                 </a:solidFill>
                 <a:latin typeface="Avenir LT Std 35 Light" panose="020B0402020203020204" pitchFamily="34" charset="0"/>
               </a:rPr>
-              <a:t>Se assunto o no;</a:t>
-            </a:r>
-          </a:p>
-          <a:p>
-            <a:pPr algn="just"/>
-            <a:r>
-              <a:rPr lang="it-IT" sz="2000" dirty="0" smtClean="0">
+              <a:t>Tutti i link di contatto e email che sono state registrate:</a:t>
+            </a:r>
+            <a:endParaRPr lang="it-IT" sz="2000" dirty="0" smtClean="0">
+              <a:solidFill>
+                <a:srgbClr val="000000"/>
+              </a:solidFill>
+              <a:latin typeface="Avenir LT Std 35 Light" panose="020B0402020203020204" pitchFamily="34" charset="0"/>
+            </a:endParaRPr>
+          </a:p>
+          <a:p>
+            <a:pPr lvl="1" algn="just"/>
+            <a:r>
+              <a:rPr lang="it-IT" sz="1800" dirty="0" smtClean="0">
                 <a:solidFill>
                   <a:srgbClr val="000000"/>
                 </a:solidFill>
                 <a:latin typeface="Avenir LT Std 35 Light" panose="020B0402020203020204" pitchFamily="34" charset="0"/>
               </a:rPr>
-              <a:t>Stipendio</a:t>
-            </a:r>
-            <a:endParaRPr lang="it-IT" sz="2000" dirty="0">
+              <a:t>Se si clicca su un sito web, il browser aprirà il link cliccato (esempio: profilo </a:t>
+            </a:r>
+            <a:r>
+              <a:rPr lang="it-IT" sz="1800" dirty="0" err="1" smtClean="0">
+                <a:solidFill>
+                  <a:srgbClr val="000000"/>
+                </a:solidFill>
+                <a:latin typeface="Avenir LT Std 35 Light" panose="020B0402020203020204" pitchFamily="34" charset="0"/>
+              </a:rPr>
+              <a:t>Facebook</a:t>
+            </a:r>
+            <a:r>
+              <a:rPr lang="it-IT" sz="1800" dirty="0" smtClean="0">
+                <a:solidFill>
+                  <a:srgbClr val="000000"/>
+                </a:solidFill>
+                <a:latin typeface="Avenir LT Std 35 Light" panose="020B0402020203020204" pitchFamily="34" charset="0"/>
+              </a:rPr>
+              <a:t>)</a:t>
+            </a:r>
+            <a:endParaRPr lang="it-IT" sz="1800" dirty="0" smtClean="0">
+              <a:solidFill>
+                <a:srgbClr val="000000"/>
+              </a:solidFill>
+              <a:latin typeface="Avenir LT Std 35 Light" panose="020B0402020203020204" pitchFamily="34" charset="0"/>
+            </a:endParaRPr>
+          </a:p>
+          <a:p>
+            <a:pPr lvl="1" algn="just"/>
+            <a:r>
+              <a:rPr lang="it-IT" sz="1800" dirty="0" smtClean="0">
+                <a:solidFill>
+                  <a:srgbClr val="000000"/>
+                </a:solidFill>
+                <a:latin typeface="Avenir LT Std 35 Light" panose="020B0402020203020204" pitchFamily="34" charset="0"/>
+              </a:rPr>
+              <a:t>Se si clicca su un’email, verrà aperto il client email presente sul computer.</a:t>
+            </a:r>
+            <a:endParaRPr lang="it-IT" sz="1800" dirty="0" smtClean="0">
               <a:solidFill>
                 <a:srgbClr val="000000"/>
               </a:solidFill>
@@ -10911,64 +10898,6 @@
           </a:p>
         </p:txBody>
       </p:sp>
-      <p:sp>
-        <p:nvSpPr>
-          <p:cNvPr id="4" name="CasellaDiTesto 3"/>
-          <p:cNvSpPr txBox="1"/>
-          <p:nvPr/>
-        </p:nvSpPr>
-        <p:spPr>
-          <a:xfrm>
-            <a:off x="7961952" y="4764837"/>
-            <a:ext cx="3200664" cy="923330"/>
-          </a:xfrm>
-          <a:prstGeom prst="rect">
-            <a:avLst/>
-          </a:prstGeom>
-          <a:noFill/>
-        </p:spPr>
-        <p:txBody>
-          <a:bodyPr wrap="square" rtlCol="0">
-            <a:spAutoFit/>
-          </a:bodyPr>
-          <a:lstStyle/>
-          <a:p>
-            <a:r>
-              <a:rPr lang="it-IT" dirty="0" smtClean="0">
-                <a:latin typeface="Avenir LT Std 35 Light" panose="020B0402020203020204" pitchFamily="34" charset="0"/>
-              </a:rPr>
-              <a:t>In fase di implementazione:</a:t>
-            </a:r>
-          </a:p>
-          <a:p>
-            <a:pPr marL="285750" indent="-285750">
-              <a:buFont typeface="Arial" panose="020B0604020202020204" pitchFamily="34" charset="0"/>
-              <a:buChar char="•"/>
-            </a:pPr>
-            <a:r>
-              <a:rPr lang="it-IT" dirty="0" smtClean="0">
-                <a:latin typeface="Avenir LT Std 35 Light" panose="020B0402020203020204" pitchFamily="34" charset="0"/>
-              </a:rPr>
-              <a:t>Contatti;</a:t>
-            </a:r>
-            <a:endParaRPr lang="it-IT" dirty="0">
-              <a:latin typeface="Avenir LT Std 35 Light" panose="020B0402020203020204" pitchFamily="34" charset="0"/>
-            </a:endParaRPr>
-          </a:p>
-          <a:p>
-            <a:pPr marL="285750" indent="-285750">
-              <a:buFont typeface="Arial" panose="020B0604020202020204" pitchFamily="34" charset="0"/>
-              <a:buChar char="•"/>
-            </a:pPr>
-            <a:r>
-              <a:rPr lang="it-IT" dirty="0" smtClean="0">
-                <a:latin typeface="Avenir LT Std 35 Light" panose="020B0402020203020204" pitchFamily="34" charset="0"/>
-              </a:rPr>
-              <a:t>Note.</a:t>
-            </a:r>
-          </a:p>
-        </p:txBody>
-      </p:sp>
       <p:pic>
         <p:nvPicPr>
           <p:cNvPr id="11" name="Immagine 10"/>
@@ -10978,7 +10907,7 @@
           <p:nvPr/>
         </p:nvPicPr>
         <p:blipFill>
-          <a:blip r:embed="rId4" cstate="print">
+          <a:blip r:embed="rId3" cstate="print">
             <a:duotone>
               <a:schemeClr val="accent1">
                 <a:shade val="45000"/>
@@ -10989,7 +10918,7 @@
             <a:extLst>
               <a:ext uri="{BEBA8EAE-BF5A-486C-A8C5-ECC9F3942E4B}">
                 <a14:imgProps xmlns:a14="http://schemas.microsoft.com/office/drawing/2010/main">
-                  <a14:imgLayer r:embed="rId5">
+                  <a14:imgLayer r:embed="rId4">
                     <a14:imgEffect>
                       <a14:brightnessContrast bright="-98000" contrast="-1000"/>
                     </a14:imgEffect>
@@ -11016,10 +10945,33 @@
           <a:noFill/>
         </p:spPr>
       </p:pic>
+      <p:pic>
+        <p:nvPicPr>
+          <p:cNvPr id="5" name="Immagine 4"/>
+          <p:cNvPicPr>
+            <a:picLocks noChangeAspect="1"/>
+          </p:cNvPicPr>
+          <p:nvPr/>
+        </p:nvPicPr>
+        <p:blipFill rotWithShape="1">
+          <a:blip r:embed="rId5"/>
+          <a:srcRect t="33303" b="18303"/>
+          <a:stretch/>
+        </p:blipFill>
+        <p:spPr>
+          <a:xfrm>
+            <a:off x="1753893" y="2093923"/>
+            <a:ext cx="9560744" cy="2601259"/>
+          </a:xfrm>
+          <a:prstGeom prst="rect">
+            <a:avLst/>
+          </a:prstGeom>
+        </p:spPr>
+      </p:pic>
     </p:spTree>
     <p:extLst>
       <p:ext uri="{BB962C8B-B14F-4D97-AF65-F5344CB8AC3E}">
-        <p14:creationId xmlns:p14="http://schemas.microsoft.com/office/powerpoint/2010/main" val="644962953"/>
+        <p14:creationId xmlns:p14="http://schemas.microsoft.com/office/powerpoint/2010/main" val="173161422"/>
       </p:ext>
     </p:extLst>
   </p:cSld>
@@ -11101,16 +11053,7 @@
                 </a:solidFill>
                 <a:latin typeface="Avenir LT Std 35 Light" panose="020B0402020203020204" pitchFamily="34" charset="0"/>
               </a:rPr>
-              <a:t> </a:t>
-            </a:r>
-            <a:r>
-              <a:rPr lang="it-IT" sz="3600" b="1" dirty="0" smtClean="0">
-                <a:solidFill>
-                  <a:srgbClr val="000000"/>
-                </a:solidFill>
-                <a:latin typeface="Avenir LT Std 35 Light" panose="020B0402020203020204" pitchFamily="34" charset="0"/>
-              </a:rPr>
-              <a:t>Modifica del candidato</a:t>
+              <a:t> Modifica del candidato</a:t>
             </a:r>
             <a:endParaRPr lang="it-IT" sz="3600" b="1" dirty="0">
               <a:solidFill>
@@ -11153,235 +11096,9 @@
                 </a:solidFill>
                 <a:latin typeface="Avenir LT Std 35 Light" panose="020B0402020203020204" pitchFamily="34" charset="0"/>
               </a:rPr>
-              <a:t>Il seguente bottone indirizza ad una pagina dalla quale è possibile poter modificare i valori del </a:t>
-            </a:r>
-            <a:r>
-              <a:rPr lang="it-IT">
-                <a:solidFill>
-                  <a:srgbClr val="000000"/>
-                </a:solidFill>
-                <a:latin typeface="Avenir LT Std 35 Light" panose="020B0402020203020204" pitchFamily="34" charset="0"/>
-              </a:rPr>
-              <a:t>candidato </a:t>
-            </a:r>
-            <a:r>
-              <a:rPr lang="it-IT" smtClean="0">
-                <a:solidFill>
-                  <a:srgbClr val="000000"/>
-                </a:solidFill>
-                <a:latin typeface="Avenir LT Std 35 Light" panose="020B0402020203020204" pitchFamily="34" charset="0"/>
-              </a:rPr>
-              <a:t>selezionato.</a:t>
+              <a:t>Il seguente bottone indirizza ad una pagina dalla quale è possibile poter modificare i valori del candidato selezionato.</a:t>
             </a:r>
             <a:endParaRPr lang="it-IT" dirty="0">
-              <a:solidFill>
-                <a:srgbClr val="000000"/>
-              </a:solidFill>
-              <a:latin typeface="Avenir LT Std 35 Light" panose="020B0402020203020204" pitchFamily="34" charset="0"/>
-            </a:endParaRPr>
-          </a:p>
-        </p:txBody>
-      </p:sp>
-      <p:sp>
-        <p:nvSpPr>
-          <p:cNvPr id="9" name="Segnaposto contenuto 2"/>
-          <p:cNvSpPr txBox="1">
-            <a:spLocks/>
-          </p:cNvSpPr>
-          <p:nvPr/>
-        </p:nvSpPr>
-        <p:spPr>
-          <a:xfrm>
-            <a:off x="9399908" y="6486123"/>
-            <a:ext cx="2782619" cy="361406"/>
-          </a:xfrm>
-          <a:prstGeom prst="rect">
-            <a:avLst/>
-          </a:prstGeom>
-        </p:spPr>
-        <p:txBody>
-          <a:bodyPr vert="horz" lIns="91440" tIns="45720" rIns="91440" bIns="45720" rtlCol="0">
-            <a:noAutofit/>
-          </a:bodyPr>
-          <a:lstStyle>
-            <a:lvl1pPr marL="228600" indent="-228600" algn="l" defTabSz="914400" rtl="0" eaLnBrk="1" latinLnBrk="0" hangingPunct="1">
-              <a:lnSpc>
-                <a:spcPct val="90000"/>
-              </a:lnSpc>
-              <a:spcBef>
-                <a:spcPts val="1000"/>
-              </a:spcBef>
-              <a:buFont typeface="Arial" panose="020B0604020202020204" pitchFamily="34" charset="0"/>
-              <a:buChar char="•"/>
-              <a:defRPr sz="2800" kern="1200">
-                <a:solidFill>
-                  <a:schemeClr val="tx1"/>
-                </a:solidFill>
-                <a:latin typeface="+mn-lt"/>
-                <a:ea typeface="+mn-ea"/>
-                <a:cs typeface="+mn-cs"/>
-              </a:defRPr>
-            </a:lvl1pPr>
-            <a:lvl2pPr marL="685800" indent="-228600" algn="l" defTabSz="914400" rtl="0" eaLnBrk="1" latinLnBrk="0" hangingPunct="1">
-              <a:lnSpc>
-                <a:spcPct val="90000"/>
-              </a:lnSpc>
-              <a:spcBef>
-                <a:spcPts val="500"/>
-              </a:spcBef>
-              <a:buFont typeface="Arial" panose="020B0604020202020204" pitchFamily="34" charset="0"/>
-              <a:buChar char="•"/>
-              <a:defRPr sz="2400" kern="1200">
-                <a:solidFill>
-                  <a:schemeClr val="tx1"/>
-                </a:solidFill>
-                <a:latin typeface="+mn-lt"/>
-                <a:ea typeface="+mn-ea"/>
-                <a:cs typeface="+mn-cs"/>
-              </a:defRPr>
-            </a:lvl2pPr>
-            <a:lvl3pPr marL="1143000" indent="-228600" algn="l" defTabSz="914400" rtl="0" eaLnBrk="1" latinLnBrk="0" hangingPunct="1">
-              <a:lnSpc>
-                <a:spcPct val="90000"/>
-              </a:lnSpc>
-              <a:spcBef>
-                <a:spcPts val="500"/>
-              </a:spcBef>
-              <a:buFont typeface="Arial" panose="020B0604020202020204" pitchFamily="34" charset="0"/>
-              <a:buChar char="•"/>
-              <a:defRPr sz="2000" kern="1200">
-                <a:solidFill>
-                  <a:schemeClr val="tx1"/>
-                </a:solidFill>
-                <a:latin typeface="+mn-lt"/>
-                <a:ea typeface="+mn-ea"/>
-                <a:cs typeface="+mn-cs"/>
-              </a:defRPr>
-            </a:lvl3pPr>
-            <a:lvl4pPr marL="1600200" indent="-228600" algn="l" defTabSz="914400" rtl="0" eaLnBrk="1" latinLnBrk="0" hangingPunct="1">
-              <a:lnSpc>
-                <a:spcPct val="90000"/>
-              </a:lnSpc>
-              <a:spcBef>
-                <a:spcPts val="500"/>
-              </a:spcBef>
-              <a:buFont typeface="Arial" panose="020B0604020202020204" pitchFamily="34" charset="0"/>
-              <a:buChar char="•"/>
-              <a:defRPr sz="1800" kern="1200">
-                <a:solidFill>
-                  <a:schemeClr val="tx1"/>
-                </a:solidFill>
-                <a:latin typeface="+mn-lt"/>
-                <a:ea typeface="+mn-ea"/>
-                <a:cs typeface="+mn-cs"/>
-              </a:defRPr>
-            </a:lvl4pPr>
-            <a:lvl5pPr marL="2057400" indent="-228600" algn="l" defTabSz="914400" rtl="0" eaLnBrk="1" latinLnBrk="0" hangingPunct="1">
-              <a:lnSpc>
-                <a:spcPct val="90000"/>
-              </a:lnSpc>
-              <a:spcBef>
-                <a:spcPts val="500"/>
-              </a:spcBef>
-              <a:buFont typeface="Arial" panose="020B0604020202020204" pitchFamily="34" charset="0"/>
-              <a:buChar char="•"/>
-              <a:defRPr sz="1800" kern="1200">
-                <a:solidFill>
-                  <a:schemeClr val="tx1"/>
-                </a:solidFill>
-                <a:latin typeface="+mn-lt"/>
-                <a:ea typeface="+mn-ea"/>
-                <a:cs typeface="+mn-cs"/>
-              </a:defRPr>
-            </a:lvl5pPr>
-            <a:lvl6pPr marL="2514600" indent="-228600" algn="l" defTabSz="914400" rtl="0" eaLnBrk="1" latinLnBrk="0" hangingPunct="1">
-              <a:lnSpc>
-                <a:spcPct val="90000"/>
-              </a:lnSpc>
-              <a:spcBef>
-                <a:spcPts val="500"/>
-              </a:spcBef>
-              <a:buFont typeface="Arial" panose="020B0604020202020204" pitchFamily="34" charset="0"/>
-              <a:buChar char="•"/>
-              <a:defRPr sz="1800" kern="1200">
-                <a:solidFill>
-                  <a:schemeClr val="tx1"/>
-                </a:solidFill>
-                <a:latin typeface="+mn-lt"/>
-                <a:ea typeface="+mn-ea"/>
-                <a:cs typeface="+mn-cs"/>
-              </a:defRPr>
-            </a:lvl6pPr>
-            <a:lvl7pPr marL="2971800" indent="-228600" algn="l" defTabSz="914400" rtl="0" eaLnBrk="1" latinLnBrk="0" hangingPunct="1">
-              <a:lnSpc>
-                <a:spcPct val="90000"/>
-              </a:lnSpc>
-              <a:spcBef>
-                <a:spcPts val="500"/>
-              </a:spcBef>
-              <a:buFont typeface="Arial" panose="020B0604020202020204" pitchFamily="34" charset="0"/>
-              <a:buChar char="•"/>
-              <a:defRPr sz="1800" kern="1200">
-                <a:solidFill>
-                  <a:schemeClr val="tx1"/>
-                </a:solidFill>
-                <a:latin typeface="+mn-lt"/>
-                <a:ea typeface="+mn-ea"/>
-                <a:cs typeface="+mn-cs"/>
-              </a:defRPr>
-            </a:lvl7pPr>
-            <a:lvl8pPr marL="3429000" indent="-228600" algn="l" defTabSz="914400" rtl="0" eaLnBrk="1" latinLnBrk="0" hangingPunct="1">
-              <a:lnSpc>
-                <a:spcPct val="90000"/>
-              </a:lnSpc>
-              <a:spcBef>
-                <a:spcPts val="500"/>
-              </a:spcBef>
-              <a:buFont typeface="Arial" panose="020B0604020202020204" pitchFamily="34" charset="0"/>
-              <a:buChar char="•"/>
-              <a:defRPr sz="1800" kern="1200">
-                <a:solidFill>
-                  <a:schemeClr val="tx1"/>
-                </a:solidFill>
-                <a:latin typeface="+mn-lt"/>
-                <a:ea typeface="+mn-ea"/>
-                <a:cs typeface="+mn-cs"/>
-              </a:defRPr>
-            </a:lvl8pPr>
-            <a:lvl9pPr marL="3886200" indent="-228600" algn="l" defTabSz="914400" rtl="0" eaLnBrk="1" latinLnBrk="0" hangingPunct="1">
-              <a:lnSpc>
-                <a:spcPct val="90000"/>
-              </a:lnSpc>
-              <a:spcBef>
-                <a:spcPts val="500"/>
-              </a:spcBef>
-              <a:buFont typeface="Arial" panose="020B0604020202020204" pitchFamily="34" charset="0"/>
-              <a:buChar char="•"/>
-              <a:defRPr sz="1800" kern="1200">
-                <a:solidFill>
-                  <a:schemeClr val="tx1"/>
-                </a:solidFill>
-                <a:latin typeface="+mn-lt"/>
-                <a:ea typeface="+mn-ea"/>
-                <a:cs typeface="+mn-cs"/>
-              </a:defRPr>
-            </a:lvl9pPr>
-          </a:lstStyle>
-          <a:p>
-            <a:pPr marL="0" indent="0" algn="just">
-              <a:buFont typeface="Arial" panose="020B0604020202020204" pitchFamily="34" charset="0"/>
-              <a:buNone/>
-            </a:pPr>
-            <a:r>
-              <a:rPr lang="it-IT" sz="1600" b="1" dirty="0" smtClean="0">
-                <a:solidFill>
-                  <a:srgbClr val="000000"/>
-                </a:solidFill>
-                <a:latin typeface="Avenir LT Std 35 Light" panose="020B0402020203020204" pitchFamily="34" charset="0"/>
-              </a:rPr>
-              <a:t>In fase di implementazione</a:t>
-            </a:r>
-            <a:endParaRPr lang="it-IT" sz="1600" b="1" dirty="0">
               <a:solidFill>
                 <a:srgbClr val="000000"/>
               </a:solidFill>
@@ -11421,29 +11138,6 @@
       </p:pic>
       <p:pic>
         <p:nvPicPr>
-          <p:cNvPr id="12" name="Immagine 11"/>
-          <p:cNvPicPr>
-            <a:picLocks noChangeAspect="1"/>
-          </p:cNvPicPr>
-          <p:nvPr/>
-        </p:nvPicPr>
-        <p:blipFill rotWithShape="1">
-          <a:blip r:embed="rId3"/>
-          <a:srcRect t="17786" b="13870"/>
-          <a:stretch/>
-        </p:blipFill>
-        <p:spPr>
-          <a:xfrm>
-            <a:off x="1024576" y="2242869"/>
-            <a:ext cx="10589996" cy="4069082"/>
-          </a:xfrm>
-          <a:prstGeom prst="rect">
-            <a:avLst/>
-          </a:prstGeom>
-        </p:spPr>
-      </p:pic>
-      <p:pic>
-        <p:nvPicPr>
           <p:cNvPr id="7" name="Immagine 6"/>
           <p:cNvPicPr>
             <a:picLocks noChangeAspect="1"/>
@@ -11451,7 +11145,7 @@
           <p:nvPr/>
         </p:nvPicPr>
         <p:blipFill>
-          <a:blip r:embed="rId4" cstate="print">
+          <a:blip r:embed="rId3" cstate="print">
             <a:duotone>
               <a:schemeClr val="accent1">
                 <a:shade val="45000"/>
@@ -11462,7 +11156,7 @@
             <a:extLst>
               <a:ext uri="{BEBA8EAE-BF5A-486C-A8C5-ECC9F3942E4B}">
                 <a14:imgProps xmlns:a14="http://schemas.microsoft.com/office/drawing/2010/main">
-                  <a14:imgLayer r:embed="rId5">
+                  <a14:imgLayer r:embed="rId4">
                     <a14:imgEffect>
                       <a14:brightnessContrast bright="-98000" contrast="-1000"/>
                     </a14:imgEffect>
@@ -11489,10 +11183,33 @@
           <a:noFill/>
         </p:spPr>
       </p:pic>
+      <p:pic>
+        <p:nvPicPr>
+          <p:cNvPr id="4" name="Immagine 3"/>
+          <p:cNvPicPr>
+            <a:picLocks noChangeAspect="1"/>
+          </p:cNvPicPr>
+          <p:nvPr/>
+        </p:nvPicPr>
+        <p:blipFill rotWithShape="1">
+          <a:blip r:embed="rId5"/>
+          <a:srcRect l="-1370" t="8125" r="23964" b="9197"/>
+          <a:stretch/>
+        </p:blipFill>
+        <p:spPr>
+          <a:xfrm>
+            <a:off x="2906679" y="2209571"/>
+            <a:ext cx="7255172" cy="4356867"/>
+          </a:xfrm>
+          <a:prstGeom prst="rect">
+            <a:avLst/>
+          </a:prstGeom>
+        </p:spPr>
+      </p:pic>
     </p:spTree>
     <p:extLst>
       <p:ext uri="{BB962C8B-B14F-4D97-AF65-F5344CB8AC3E}">
-        <p14:creationId xmlns:p14="http://schemas.microsoft.com/office/powerpoint/2010/main" val="4176035914"/>
+        <p14:creationId xmlns:p14="http://schemas.microsoft.com/office/powerpoint/2010/main" val="289283183"/>
       </p:ext>
     </p:extLst>
   </p:cSld>
